--- a/images/format-comparison.pptx
+++ b/images/format-comparison.pptx
@@ -1,6 +1,6 @@
 
 <file path=ppt/presentation.xml><?xml version="1.0" encoding="utf-8"?>
-<p:presentation xmlns:a="http://schemas.openxmlformats.org/drawingml/2006/main" xmlns:r="http://schemas.openxmlformats.org/officeDocument/2006/relationships" xmlns:mc="http://schemas.openxmlformats.org/markup-compatibility/2006" xmlns:mv="urn:schemas-microsoft-com:mac:vml" xmlns:p="http://schemas.openxmlformats.org/presentationml/2006/main" mc:Ignorable="mv" mc:PreserveAttributes="mv:*" saveSubsetFonts="1" autoCompressPictures="0">
+<p:presentation xmlns:a="http://schemas.openxmlformats.org/drawingml/2006/main" xmlns:r="http://schemas.openxmlformats.org/officeDocument/2006/relationships" xmlns:p="http://schemas.openxmlformats.org/presentationml/2006/main" saveSubsetFonts="1" autoCompressPictures="0">
   <p:sldMasterIdLst>
     <p:sldMasterId id="2147483648" r:id="rId1"/>
   </p:sldMasterIdLst>
@@ -108,7 +108,7 @@
 </file>
 
 <file path=ppt/slideLayouts/slideLayout1.xml><?xml version="1.0" encoding="utf-8"?>
-<p:sldLayout xmlns:a="http://schemas.openxmlformats.org/drawingml/2006/main" xmlns:r="http://schemas.openxmlformats.org/officeDocument/2006/relationships" xmlns:mc="http://schemas.openxmlformats.org/markup-compatibility/2006" xmlns:mv="urn:schemas-microsoft-com:mac:vml" xmlns:p="http://schemas.openxmlformats.org/presentationml/2006/main" mc:Ignorable="mv" mc:PreserveAttributes="mv:*" type="title" preserve="1">
+<p:sldLayout xmlns:a="http://schemas.openxmlformats.org/drawingml/2006/main" xmlns:r="http://schemas.openxmlformats.org/officeDocument/2006/relationships" xmlns:p="http://schemas.openxmlformats.org/presentationml/2006/main" type="title" preserve="1">
   <p:cSld name="Title Slide">
     <p:spTree>
       <p:nvGrpSpPr>
@@ -285,7 +285,7 @@
           <a:lstStyle/>
           <a:p>
             <a:fld id="{6548C025-F790-9C45-9580-9679861F61E8}" type="datetimeFigureOut">
-              <a:t>6/2/15</a:t>
+              <a:t>10/22/16</a:t>
             </a:fld>
             <a:endParaRPr lang="en-US"/>
           </a:p>
@@ -341,7 +341,7 @@
 </file>
 
 <file path=ppt/slideLayouts/slideLayout10.xml><?xml version="1.0" encoding="utf-8"?>
-<p:sldLayout xmlns:a="http://schemas.openxmlformats.org/drawingml/2006/main" xmlns:r="http://schemas.openxmlformats.org/officeDocument/2006/relationships" xmlns:mc="http://schemas.openxmlformats.org/markup-compatibility/2006" xmlns:mv="urn:schemas-microsoft-com:mac:vml" xmlns:p="http://schemas.openxmlformats.org/presentationml/2006/main" mc:Ignorable="mv" mc:PreserveAttributes="mv:*" type="vertTx" preserve="1">
+<p:sldLayout xmlns:a="http://schemas.openxmlformats.org/drawingml/2006/main" xmlns:r="http://schemas.openxmlformats.org/officeDocument/2006/relationships" xmlns:p="http://schemas.openxmlformats.org/presentationml/2006/main" type="vertTx" preserve="1">
   <p:cSld name="Title and Vertical Text">
     <p:spTree>
       <p:nvGrpSpPr>
@@ -446,7 +446,7 @@
           <a:lstStyle/>
           <a:p>
             <a:fld id="{6548C025-F790-9C45-9580-9679861F61E8}" type="datetimeFigureOut">
-              <a:t>6/2/15</a:t>
+              <a:t>10/22/16</a:t>
             </a:fld>
             <a:endParaRPr lang="en-US"/>
           </a:p>
@@ -502,7 +502,7 @@
 </file>
 
 <file path=ppt/slideLayouts/slideLayout11.xml><?xml version="1.0" encoding="utf-8"?>
-<p:sldLayout xmlns:a="http://schemas.openxmlformats.org/drawingml/2006/main" xmlns:r="http://schemas.openxmlformats.org/officeDocument/2006/relationships" xmlns:mc="http://schemas.openxmlformats.org/markup-compatibility/2006" xmlns:mv="urn:schemas-microsoft-com:mac:vml" xmlns:p="http://schemas.openxmlformats.org/presentationml/2006/main" mc:Ignorable="mv" mc:PreserveAttributes="mv:*" type="vertTitleAndTx" preserve="1">
+<p:sldLayout xmlns:a="http://schemas.openxmlformats.org/drawingml/2006/main" xmlns:r="http://schemas.openxmlformats.org/officeDocument/2006/relationships" xmlns:p="http://schemas.openxmlformats.org/presentationml/2006/main" type="vertTitleAndTx" preserve="1">
   <p:cSld name="Vertical Title and Text">
     <p:spTree>
       <p:nvGrpSpPr>
@@ -617,7 +617,7 @@
           <a:lstStyle/>
           <a:p>
             <a:fld id="{6548C025-F790-9C45-9580-9679861F61E8}" type="datetimeFigureOut">
-              <a:t>6/2/15</a:t>
+              <a:t>10/22/16</a:t>
             </a:fld>
             <a:endParaRPr lang="en-US"/>
           </a:p>
@@ -673,7 +673,7 @@
 </file>
 
 <file path=ppt/slideLayouts/slideLayout2.xml><?xml version="1.0" encoding="utf-8"?>
-<p:sldLayout xmlns:a="http://schemas.openxmlformats.org/drawingml/2006/main" xmlns:r="http://schemas.openxmlformats.org/officeDocument/2006/relationships" xmlns:mc="http://schemas.openxmlformats.org/markup-compatibility/2006" xmlns:mv="urn:schemas-microsoft-com:mac:vml" xmlns:p="http://schemas.openxmlformats.org/presentationml/2006/main" mc:Ignorable="mv" mc:PreserveAttributes="mv:*" type="obj" preserve="1">
+<p:sldLayout xmlns:a="http://schemas.openxmlformats.org/drawingml/2006/main" xmlns:r="http://schemas.openxmlformats.org/officeDocument/2006/relationships" xmlns:p="http://schemas.openxmlformats.org/presentationml/2006/main" type="obj" preserve="1">
   <p:cSld name="Title and Content">
     <p:spTree>
       <p:nvGrpSpPr>
@@ -778,7 +778,7 @@
           <a:lstStyle/>
           <a:p>
             <a:fld id="{6548C025-F790-9C45-9580-9679861F61E8}" type="datetimeFigureOut">
-              <a:t>6/2/15</a:t>
+              <a:t>10/22/16</a:t>
             </a:fld>
             <a:endParaRPr lang="en-US"/>
           </a:p>
@@ -834,7 +834,7 @@
 </file>
 
 <file path=ppt/slideLayouts/slideLayout3.xml><?xml version="1.0" encoding="utf-8"?>
-<p:sldLayout xmlns:a="http://schemas.openxmlformats.org/drawingml/2006/main" xmlns:r="http://schemas.openxmlformats.org/officeDocument/2006/relationships" xmlns:mc="http://schemas.openxmlformats.org/markup-compatibility/2006" xmlns:mv="urn:schemas-microsoft-com:mac:vml" xmlns:p="http://schemas.openxmlformats.org/presentationml/2006/main" mc:Ignorable="mv" mc:PreserveAttributes="mv:*" type="secHead" preserve="1">
+<p:sldLayout xmlns:a="http://schemas.openxmlformats.org/drawingml/2006/main" xmlns:r="http://schemas.openxmlformats.org/officeDocument/2006/relationships" xmlns:p="http://schemas.openxmlformats.org/presentationml/2006/main" type="secHead" preserve="1">
   <p:cSld name="Section Header">
     <p:spTree>
       <p:nvGrpSpPr>
@@ -1016,7 +1016,7 @@
           <a:lstStyle/>
           <a:p>
             <a:fld id="{6548C025-F790-9C45-9580-9679861F61E8}" type="datetimeFigureOut">
-              <a:t>6/2/15</a:t>
+              <a:t>10/22/16</a:t>
             </a:fld>
             <a:endParaRPr lang="en-US"/>
           </a:p>
@@ -1072,7 +1072,7 @@
 </file>
 
 <file path=ppt/slideLayouts/slideLayout4.xml><?xml version="1.0" encoding="utf-8"?>
-<p:sldLayout xmlns:a="http://schemas.openxmlformats.org/drawingml/2006/main" xmlns:r="http://schemas.openxmlformats.org/officeDocument/2006/relationships" xmlns:mc="http://schemas.openxmlformats.org/markup-compatibility/2006" xmlns:mv="urn:schemas-microsoft-com:mac:vml" xmlns:p="http://schemas.openxmlformats.org/presentationml/2006/main" mc:Ignorable="mv" mc:PreserveAttributes="mv:*" type="twoObj" preserve="1">
+<p:sldLayout xmlns:a="http://schemas.openxmlformats.org/drawingml/2006/main" xmlns:r="http://schemas.openxmlformats.org/officeDocument/2006/relationships" xmlns:p="http://schemas.openxmlformats.org/presentationml/2006/main" type="twoObj" preserve="1">
   <p:cSld name="Two Content">
     <p:spTree>
       <p:nvGrpSpPr>
@@ -1294,7 +1294,7 @@
           <a:lstStyle/>
           <a:p>
             <a:fld id="{6548C025-F790-9C45-9580-9679861F61E8}" type="datetimeFigureOut">
-              <a:t>6/2/15</a:t>
+              <a:t>10/22/16</a:t>
             </a:fld>
             <a:endParaRPr lang="en-US"/>
           </a:p>
@@ -1350,7 +1350,7 @@
 </file>
 
 <file path=ppt/slideLayouts/slideLayout5.xml><?xml version="1.0" encoding="utf-8"?>
-<p:sldLayout xmlns:a="http://schemas.openxmlformats.org/drawingml/2006/main" xmlns:r="http://schemas.openxmlformats.org/officeDocument/2006/relationships" xmlns:mc="http://schemas.openxmlformats.org/markup-compatibility/2006" xmlns:mv="urn:schemas-microsoft-com:mac:vml" xmlns:p="http://schemas.openxmlformats.org/presentationml/2006/main" mc:Ignorable="mv" mc:PreserveAttributes="mv:*" type="twoTxTwoObj" preserve="1">
+<p:sldLayout xmlns:a="http://schemas.openxmlformats.org/drawingml/2006/main" xmlns:r="http://schemas.openxmlformats.org/officeDocument/2006/relationships" xmlns:p="http://schemas.openxmlformats.org/presentationml/2006/main" type="twoTxTwoObj" preserve="1">
   <p:cSld name="Comparison">
     <p:spTree>
       <p:nvGrpSpPr>
@@ -1706,7 +1706,7 @@
           <a:lstStyle/>
           <a:p>
             <a:fld id="{6548C025-F790-9C45-9580-9679861F61E8}" type="datetimeFigureOut">
-              <a:t>6/2/15</a:t>
+              <a:t>10/22/16</a:t>
             </a:fld>
             <a:endParaRPr lang="en-US"/>
           </a:p>
@@ -1762,7 +1762,7 @@
 </file>
 
 <file path=ppt/slideLayouts/slideLayout6.xml><?xml version="1.0" encoding="utf-8"?>
-<p:sldLayout xmlns:a="http://schemas.openxmlformats.org/drawingml/2006/main" xmlns:r="http://schemas.openxmlformats.org/officeDocument/2006/relationships" xmlns:mc="http://schemas.openxmlformats.org/markup-compatibility/2006" xmlns:mv="urn:schemas-microsoft-com:mac:vml" xmlns:p="http://schemas.openxmlformats.org/presentationml/2006/main" mc:Ignorable="mv" mc:PreserveAttributes="mv:*" type="titleOnly" preserve="1">
+<p:sldLayout xmlns:a="http://schemas.openxmlformats.org/drawingml/2006/main" xmlns:r="http://schemas.openxmlformats.org/officeDocument/2006/relationships" xmlns:p="http://schemas.openxmlformats.org/presentationml/2006/main" type="titleOnly" preserve="1">
   <p:cSld name="Title Only">
     <p:spTree>
       <p:nvGrpSpPr>
@@ -1816,7 +1816,7 @@
           <a:lstStyle/>
           <a:p>
             <a:fld id="{6548C025-F790-9C45-9580-9679861F61E8}" type="datetimeFigureOut">
-              <a:t>6/2/15</a:t>
+              <a:t>10/22/16</a:t>
             </a:fld>
             <a:endParaRPr lang="en-US"/>
           </a:p>
@@ -1872,7 +1872,7 @@
 </file>
 
 <file path=ppt/slideLayouts/slideLayout7.xml><?xml version="1.0" encoding="utf-8"?>
-<p:sldLayout xmlns:a="http://schemas.openxmlformats.org/drawingml/2006/main" xmlns:r="http://schemas.openxmlformats.org/officeDocument/2006/relationships" xmlns:mc="http://schemas.openxmlformats.org/markup-compatibility/2006" xmlns:mv="urn:schemas-microsoft-com:mac:vml" xmlns:p="http://schemas.openxmlformats.org/presentationml/2006/main" mc:Ignorable="mv" mc:PreserveAttributes="mv:*" type="blank" preserve="1">
+<p:sldLayout xmlns:a="http://schemas.openxmlformats.org/drawingml/2006/main" xmlns:r="http://schemas.openxmlformats.org/officeDocument/2006/relationships" xmlns:p="http://schemas.openxmlformats.org/presentationml/2006/main" type="blank" preserve="1">
   <p:cSld name="Blank">
     <p:spTree>
       <p:nvGrpSpPr>
@@ -1904,7 +1904,7 @@
           <a:lstStyle/>
           <a:p>
             <a:fld id="{6548C025-F790-9C45-9580-9679861F61E8}" type="datetimeFigureOut">
-              <a:t>6/2/15</a:t>
+              <a:t>10/22/16</a:t>
             </a:fld>
             <a:endParaRPr lang="en-US"/>
           </a:p>
@@ -1960,7 +1960,7 @@
 </file>
 
 <file path=ppt/slideLayouts/slideLayout8.xml><?xml version="1.0" encoding="utf-8"?>
-<p:sldLayout xmlns:a="http://schemas.openxmlformats.org/drawingml/2006/main" xmlns:r="http://schemas.openxmlformats.org/officeDocument/2006/relationships" xmlns:mc="http://schemas.openxmlformats.org/markup-compatibility/2006" xmlns:mv="urn:schemas-microsoft-com:mac:vml" xmlns:p="http://schemas.openxmlformats.org/presentationml/2006/main" mc:Ignorable="mv" mc:PreserveAttributes="mv:*" type="objTx" preserve="1">
+<p:sldLayout xmlns:a="http://schemas.openxmlformats.org/drawingml/2006/main" xmlns:r="http://schemas.openxmlformats.org/officeDocument/2006/relationships" xmlns:p="http://schemas.openxmlformats.org/presentationml/2006/main" type="objTx" preserve="1">
   <p:cSld name="Content with Caption">
     <p:spTree>
       <p:nvGrpSpPr>
@@ -2172,7 +2172,7 @@
           <a:lstStyle/>
           <a:p>
             <a:fld id="{6548C025-F790-9C45-9580-9679861F61E8}" type="datetimeFigureOut">
-              <a:t>6/2/15</a:t>
+              <a:t>10/22/16</a:t>
             </a:fld>
             <a:endParaRPr lang="en-US"/>
           </a:p>
@@ -2228,7 +2228,7 @@
 </file>
 
 <file path=ppt/slideLayouts/slideLayout9.xml><?xml version="1.0" encoding="utf-8"?>
-<p:sldLayout xmlns:a="http://schemas.openxmlformats.org/drawingml/2006/main" xmlns:r="http://schemas.openxmlformats.org/officeDocument/2006/relationships" xmlns:mc="http://schemas.openxmlformats.org/markup-compatibility/2006" xmlns:mv="urn:schemas-microsoft-com:mac:vml" xmlns:p="http://schemas.openxmlformats.org/presentationml/2006/main" mc:Ignorable="mv" mc:PreserveAttributes="mv:*" type="picTx" preserve="1">
+<p:sldLayout xmlns:a="http://schemas.openxmlformats.org/drawingml/2006/main" xmlns:r="http://schemas.openxmlformats.org/officeDocument/2006/relationships" xmlns:p="http://schemas.openxmlformats.org/presentationml/2006/main" type="picTx" preserve="1">
   <p:cSld name="Picture with Caption">
     <p:spTree>
       <p:nvGrpSpPr>
@@ -2417,7 +2417,7 @@
           <a:lstStyle/>
           <a:p>
             <a:fld id="{6548C025-F790-9C45-9580-9679861F61E8}" type="datetimeFigureOut">
-              <a:t>6/2/15</a:t>
+              <a:t>10/22/16</a:t>
             </a:fld>
             <a:endParaRPr lang="en-US"/>
           </a:p>
@@ -2473,7 +2473,7 @@
 </file>
 
 <file path=ppt/slideMasters/slideMaster1.xml><?xml version="1.0" encoding="utf-8"?>
-<p:sldMaster xmlns:a="http://schemas.openxmlformats.org/drawingml/2006/main" xmlns:r="http://schemas.openxmlformats.org/officeDocument/2006/relationships" xmlns:mc="http://schemas.openxmlformats.org/markup-compatibility/2006" xmlns:mv="urn:schemas-microsoft-com:mac:vml" xmlns:p="http://schemas.openxmlformats.org/presentationml/2006/main" mc:Ignorable="mv" mc:PreserveAttributes="mv:*">
+<p:sldMaster xmlns:a="http://schemas.openxmlformats.org/drawingml/2006/main" xmlns:r="http://schemas.openxmlformats.org/officeDocument/2006/relationships" xmlns:p="http://schemas.openxmlformats.org/presentationml/2006/main">
   <p:cSld>
     <p:bg>
       <p:bgRef idx="1001">
@@ -2621,7 +2621,7 @@
           </a:lstStyle>
           <a:p>
             <a:fld id="{6548C025-F790-9C45-9580-9679861F61E8}" type="datetimeFigureOut">
-              <a:t>6/2/15</a:t>
+              <a:t>10/22/16</a:t>
             </a:fld>
             <a:endParaRPr lang="en-US"/>
           </a:p>
@@ -2974,7 +2974,7 @@
 </file>
 
 <file path=ppt/slides/slide1.xml><?xml version="1.0" encoding="utf-8"?>
-<p:sld xmlns:a="http://schemas.openxmlformats.org/drawingml/2006/main" xmlns:r="http://schemas.openxmlformats.org/officeDocument/2006/relationships" xmlns:mc="http://schemas.openxmlformats.org/markup-compatibility/2006" xmlns:mv="urn:schemas-microsoft-com:mac:vml" xmlns:p="http://schemas.openxmlformats.org/presentationml/2006/main" mc:Ignorable="mv" mc:PreserveAttributes="mv:*">
+<p:sld xmlns:a="http://schemas.openxmlformats.org/drawingml/2006/main" xmlns:r="http://schemas.openxmlformats.org/officeDocument/2006/relationships" xmlns:p="http://schemas.openxmlformats.org/presentationml/2006/main">
   <p:cSld>
     <p:spTree>
       <p:nvGrpSpPr>
@@ -3133,8 +3133,21 @@
                   <a:srgbClr val="0000FF"/>
                 </a:solidFill>
               </a:rPr>
-              <a:t>SBOL 1.1</a:t>
-            </a:r>
+              <a:t>SBOL 1</a:t>
+            </a:r>
+            <a:r>
+              <a:rPr lang="en-US" b="1" dirty="0" smtClean="0">
+                <a:solidFill>
+                  <a:srgbClr val="0000FF"/>
+                </a:solidFill>
+              </a:rPr>
+              <a:t>.x</a:t>
+            </a:r>
+            <a:endParaRPr lang="en-US" b="1" dirty="0" smtClean="0">
+              <a:solidFill>
+                <a:srgbClr val="0000FF"/>
+              </a:solidFill>
+            </a:endParaRPr>
           </a:p>
           <a:p>
             <a:pPr>
@@ -3175,7 +3188,15 @@
                   <a:srgbClr val="0000FF"/>
                 </a:solidFill>
               </a:rPr>
-              <a:t>SBOL 2.0</a:t>
+              <a:t>SBOL 2</a:t>
+            </a:r>
+            <a:r>
+              <a:rPr lang="en-US" b="1" dirty="0" smtClean="0">
+                <a:solidFill>
+                  <a:srgbClr val="0000FF"/>
+                </a:solidFill>
+              </a:rPr>
+              <a:t>.x</a:t>
             </a:r>
             <a:endParaRPr lang="en-US" b="1" dirty="0" smtClean="0">
               <a:solidFill>

--- a/images/format-comparison.pptx
+++ b/images/format-comparison.pptx
@@ -6,6 +6,7 @@
   </p:sldMasterIdLst>
   <p:sldIdLst>
     <p:sldId id="257" r:id="rId2"/>
+    <p:sldId id="258" r:id="rId3"/>
   </p:sldIdLst>
   <p:sldSz cx="9144000" cy="6858000" type="screen4x3"/>
   <p:notesSz cx="6858000" cy="9144000"/>
@@ -104,6 +105,22 @@
       </a:defRPr>
     </a:lvl9pPr>
   </p:defaultTextStyle>
+  <p:extLst>
+    <p:ext uri="{EFAFB233-063F-42B5-8137-9DF3F51BA10A}">
+      <p15:sldGuideLst xmlns:p15="http://schemas.microsoft.com/office/powerpoint/2012/main">
+        <p15:guide id="1" orient="horz" pos="2160">
+          <p15:clr>
+            <a:srgbClr val="A4A3A4"/>
+          </p15:clr>
+        </p15:guide>
+        <p15:guide id="2" pos="2880">
+          <p15:clr>
+            <a:srgbClr val="A4A3A4"/>
+          </p15:clr>
+        </p15:guide>
+      </p15:sldGuideLst>
+    </p:ext>
+  </p:extLst>
 </p:presentation>
 </file>
 
@@ -285,7 +302,7 @@
           <a:lstStyle/>
           <a:p>
             <a:fld id="{6548C025-F790-9C45-9580-9679861F61E8}" type="datetimeFigureOut">
-              <a:t>10/22/16</a:t>
+              <a:t>5/30/18</a:t>
             </a:fld>
             <a:endParaRPr lang="en-US"/>
           </a:p>
@@ -446,7 +463,7 @@
           <a:lstStyle/>
           <a:p>
             <a:fld id="{6548C025-F790-9C45-9580-9679861F61E8}" type="datetimeFigureOut">
-              <a:t>10/22/16</a:t>
+              <a:t>5/30/18</a:t>
             </a:fld>
             <a:endParaRPr lang="en-US"/>
           </a:p>
@@ -617,7 +634,7 @@
           <a:lstStyle/>
           <a:p>
             <a:fld id="{6548C025-F790-9C45-9580-9679861F61E8}" type="datetimeFigureOut">
-              <a:t>10/22/16</a:t>
+              <a:t>5/30/18</a:t>
             </a:fld>
             <a:endParaRPr lang="en-US"/>
           </a:p>
@@ -778,7 +795,7 @@
           <a:lstStyle/>
           <a:p>
             <a:fld id="{6548C025-F790-9C45-9580-9679861F61E8}" type="datetimeFigureOut">
-              <a:t>10/22/16</a:t>
+              <a:t>5/30/18</a:t>
             </a:fld>
             <a:endParaRPr lang="en-US"/>
           </a:p>
@@ -1016,7 +1033,7 @@
           <a:lstStyle/>
           <a:p>
             <a:fld id="{6548C025-F790-9C45-9580-9679861F61E8}" type="datetimeFigureOut">
-              <a:t>10/22/16</a:t>
+              <a:t>5/30/18</a:t>
             </a:fld>
             <a:endParaRPr lang="en-US"/>
           </a:p>
@@ -1294,7 +1311,7 @@
           <a:lstStyle/>
           <a:p>
             <a:fld id="{6548C025-F790-9C45-9580-9679861F61E8}" type="datetimeFigureOut">
-              <a:t>10/22/16</a:t>
+              <a:t>5/30/18</a:t>
             </a:fld>
             <a:endParaRPr lang="en-US"/>
           </a:p>
@@ -1706,7 +1723,7 @@
           <a:lstStyle/>
           <a:p>
             <a:fld id="{6548C025-F790-9C45-9580-9679861F61E8}" type="datetimeFigureOut">
-              <a:t>10/22/16</a:t>
+              <a:t>5/30/18</a:t>
             </a:fld>
             <a:endParaRPr lang="en-US"/>
           </a:p>
@@ -1816,7 +1833,7 @@
           <a:lstStyle/>
           <a:p>
             <a:fld id="{6548C025-F790-9C45-9580-9679861F61E8}" type="datetimeFigureOut">
-              <a:t>10/22/16</a:t>
+              <a:t>5/30/18</a:t>
             </a:fld>
             <a:endParaRPr lang="en-US"/>
           </a:p>
@@ -1904,7 +1921,7 @@
           <a:lstStyle/>
           <a:p>
             <a:fld id="{6548C025-F790-9C45-9580-9679861F61E8}" type="datetimeFigureOut">
-              <a:t>10/22/16</a:t>
+              <a:t>5/30/18</a:t>
             </a:fld>
             <a:endParaRPr lang="en-US"/>
           </a:p>
@@ -2172,7 +2189,7 @@
           <a:lstStyle/>
           <a:p>
             <a:fld id="{6548C025-F790-9C45-9580-9679861F61E8}" type="datetimeFigureOut">
-              <a:t>10/22/16</a:t>
+              <a:t>5/30/18</a:t>
             </a:fld>
             <a:endParaRPr lang="en-US"/>
           </a:p>
@@ -2417,7 +2434,7 @@
           <a:lstStyle/>
           <a:p>
             <a:fld id="{6548C025-F790-9C45-9580-9679861F61E8}" type="datetimeFigureOut">
-              <a:t>10/22/16</a:t>
+              <a:t>5/30/18</a:t>
             </a:fld>
             <a:endParaRPr lang="en-US"/>
           </a:p>
@@ -2621,7 +2638,7 @@
           </a:lstStyle>
           <a:p>
             <a:fld id="{6548C025-F790-9C45-9580-9679861F61E8}" type="datetimeFigureOut">
-              <a:t>10/22/16</a:t>
+              <a:t>5/30/18</a:t>
             </a:fld>
             <a:endParaRPr lang="en-US"/>
           </a:p>
@@ -2992,6 +3009,2561 @@
       </p:grpSpPr>
       <p:sp>
         <p:nvSpPr>
+          <p:cNvPr id="19" name="Rounded Rectangle 18">
+            <a:extLst>
+              <a:ext uri="{FF2B5EF4-FFF2-40B4-BE49-F238E27FC236}">
+                <a16:creationId xmlns:a16="http://schemas.microsoft.com/office/drawing/2014/main" id="{7248556B-C103-3542-8DB1-134FBA7B6C52}"/>
+              </a:ext>
+            </a:extLst>
+          </p:cNvPr>
+          <p:cNvSpPr/>
+          <p:nvPr/>
+        </p:nvSpPr>
+        <p:spPr>
+          <a:xfrm>
+            <a:off x="4214105" y="5061364"/>
+            <a:ext cx="517510" cy="315930"/>
+          </a:xfrm>
+          <a:prstGeom prst="roundRect">
+            <a:avLst>
+              <a:gd name="adj" fmla="val 50000"/>
+            </a:avLst>
+          </a:prstGeom>
+        </p:spPr>
+        <p:style>
+          <a:lnRef idx="2">
+            <a:schemeClr val="dk1"/>
+          </a:lnRef>
+          <a:fillRef idx="1">
+            <a:schemeClr val="lt1"/>
+          </a:fillRef>
+          <a:effectRef idx="0">
+            <a:schemeClr val="dk1"/>
+          </a:effectRef>
+          <a:fontRef idx="minor">
+            <a:schemeClr val="dk1"/>
+          </a:fontRef>
+        </p:style>
+        <p:txBody>
+          <a:bodyPr rtlCol="0" anchor="ctr"/>
+          <a:lstStyle/>
+          <a:p>
+            <a:pPr algn="ctr"/>
+            <a:endParaRPr lang="en-US"/>
+          </a:p>
+        </p:txBody>
+      </p:sp>
+      <p:sp>
+        <p:nvSpPr>
+          <p:cNvPr id="3" name="Content Placeholder 2"/>
+          <p:cNvSpPr>
+            <a:spLocks noGrp="1"/>
+          </p:cNvSpPr>
+          <p:nvPr>
+            <p:ph idx="1"/>
+          </p:nvPr>
+        </p:nvSpPr>
+        <p:spPr>
+          <a:xfrm>
+            <a:off x="635000" y="1041400"/>
+            <a:ext cx="1943100" cy="5051688"/>
+          </a:xfrm>
+        </p:spPr>
+        <p:txBody>
+          <a:bodyPr>
+            <a:normAutofit fontScale="92500" lnSpcReduction="10000"/>
+          </a:bodyPr>
+          <a:lstStyle/>
+          <a:p>
+            <a:pPr>
+              <a:spcAft>
+                <a:spcPts val="0"/>
+              </a:spcAft>
+              <a:buNone/>
+            </a:pPr>
+            <a:r>
+              <a:rPr lang="en-US" b="1" dirty="0">
+                <a:solidFill>
+                  <a:srgbClr val="0000FF"/>
+                </a:solidFill>
+              </a:rPr>
+              <a:t>FASTA</a:t>
+            </a:r>
+          </a:p>
+          <a:p>
+            <a:pPr>
+              <a:spcAft>
+                <a:spcPts val="0"/>
+              </a:spcAft>
+              <a:buNone/>
+            </a:pPr>
+            <a:endParaRPr lang="en-US" b="1" dirty="0">
+              <a:solidFill>
+                <a:srgbClr val="0000FF"/>
+              </a:solidFill>
+            </a:endParaRPr>
+          </a:p>
+          <a:p>
+            <a:pPr>
+              <a:spcAft>
+                <a:spcPts val="0"/>
+              </a:spcAft>
+              <a:buNone/>
+            </a:pPr>
+            <a:r>
+              <a:rPr lang="en-US" b="1" dirty="0">
+                <a:solidFill>
+                  <a:srgbClr val="0000FF"/>
+                </a:solidFill>
+              </a:rPr>
+              <a:t>GenBank</a:t>
+            </a:r>
+          </a:p>
+          <a:p>
+            <a:pPr>
+              <a:spcAft>
+                <a:spcPts val="0"/>
+              </a:spcAft>
+              <a:buNone/>
+            </a:pPr>
+            <a:endParaRPr lang="en-US" b="1" dirty="0">
+              <a:solidFill>
+                <a:srgbClr val="0000FF"/>
+              </a:solidFill>
+            </a:endParaRPr>
+          </a:p>
+          <a:p>
+            <a:pPr>
+              <a:spcAft>
+                <a:spcPts val="0"/>
+              </a:spcAft>
+              <a:buNone/>
+            </a:pPr>
+            <a:endParaRPr lang="en-US" b="1" dirty="0">
+              <a:solidFill>
+                <a:srgbClr val="0000FF"/>
+              </a:solidFill>
+            </a:endParaRPr>
+          </a:p>
+          <a:p>
+            <a:pPr>
+              <a:spcAft>
+                <a:spcPts val="600"/>
+              </a:spcAft>
+              <a:buNone/>
+            </a:pPr>
+            <a:r>
+              <a:rPr lang="en-US" b="1" dirty="0">
+                <a:solidFill>
+                  <a:srgbClr val="0000FF"/>
+                </a:solidFill>
+              </a:rPr>
+              <a:t>SBOL 1.x</a:t>
+            </a:r>
+          </a:p>
+          <a:p>
+            <a:pPr>
+              <a:spcAft>
+                <a:spcPts val="600"/>
+              </a:spcAft>
+              <a:buNone/>
+            </a:pPr>
+            <a:endParaRPr lang="en-US" b="1" dirty="0">
+              <a:solidFill>
+                <a:srgbClr val="0000FF"/>
+              </a:solidFill>
+            </a:endParaRPr>
+          </a:p>
+          <a:p>
+            <a:pPr>
+              <a:spcAft>
+                <a:spcPts val="1800"/>
+              </a:spcAft>
+              <a:buNone/>
+            </a:pPr>
+            <a:endParaRPr lang="en-US" b="1" dirty="0">
+              <a:solidFill>
+                <a:srgbClr val="0000FF"/>
+              </a:solidFill>
+            </a:endParaRPr>
+          </a:p>
+          <a:p>
+            <a:pPr>
+              <a:spcAft>
+                <a:spcPts val="600"/>
+              </a:spcAft>
+              <a:buNone/>
+            </a:pPr>
+            <a:r>
+              <a:rPr lang="en-US" b="1" dirty="0">
+                <a:solidFill>
+                  <a:srgbClr val="0000FF"/>
+                </a:solidFill>
+              </a:rPr>
+              <a:t>SBOL 2.x</a:t>
+            </a:r>
+          </a:p>
+        </p:txBody>
+      </p:sp>
+      <p:sp>
+        <p:nvSpPr>
+          <p:cNvPr id="6" name="TextBox 5"/>
+          <p:cNvSpPr txBox="1"/>
+          <p:nvPr/>
+        </p:nvSpPr>
+        <p:spPr>
+          <a:xfrm>
+            <a:off x="3149600" y="1028700"/>
+            <a:ext cx="4986611" cy="369332"/>
+          </a:xfrm>
+          <a:prstGeom prst="rect">
+            <a:avLst/>
+          </a:prstGeom>
+          <a:noFill/>
+        </p:spPr>
+        <p:txBody>
+          <a:bodyPr wrap="none" rtlCol="0">
+            <a:spAutoFit/>
+          </a:bodyPr>
+          <a:lstStyle/>
+          <a:p>
+            <a:r>
+              <a:rPr lang="en-US"/>
+              <a:t>ACTGTGCCGTTAAACGTGATTAAATCCGTACTGATAT…</a:t>
+            </a:r>
+          </a:p>
+        </p:txBody>
+      </p:sp>
+      <p:sp>
+        <p:nvSpPr>
+          <p:cNvPr id="10" name="Right Arrow 9"/>
+          <p:cNvSpPr/>
+          <p:nvPr/>
+        </p:nvSpPr>
+        <p:spPr>
+          <a:xfrm>
+            <a:off x="4161438" y="6008731"/>
+            <a:ext cx="794428" cy="327118"/>
+          </a:xfrm>
+          <a:prstGeom prst="rightArrow">
+            <a:avLst>
+              <a:gd name="adj1" fmla="val 100000"/>
+              <a:gd name="adj2" fmla="val 50000"/>
+            </a:avLst>
+          </a:prstGeom>
+          <a:solidFill>
+            <a:schemeClr val="accent4"/>
+          </a:solidFill>
+          <a:ln>
+            <a:noFill/>
+          </a:ln>
+          <a:effectLst/>
+        </p:spPr>
+        <p:style>
+          <a:lnRef idx="1">
+            <a:schemeClr val="accent1"/>
+          </a:lnRef>
+          <a:fillRef idx="3">
+            <a:schemeClr val="accent1"/>
+          </a:fillRef>
+          <a:effectRef idx="2">
+            <a:schemeClr val="accent1"/>
+          </a:effectRef>
+          <a:fontRef idx="minor">
+            <a:schemeClr val="lt1"/>
+          </a:fontRef>
+        </p:style>
+        <p:txBody>
+          <a:bodyPr rtlCol="0" anchor="ctr"/>
+          <a:lstStyle/>
+          <a:p>
+            <a:pPr algn="ctr"/>
+            <a:r>
+              <a:rPr lang="en-US" b="1">
+                <a:solidFill>
+                  <a:srgbClr val="000000"/>
+                </a:solidFill>
+              </a:rPr>
+              <a:t>TetR</a:t>
+            </a:r>
+          </a:p>
+        </p:txBody>
+      </p:sp>
+      <p:sp>
+        <p:nvSpPr>
+          <p:cNvPr id="11" name="Right Arrow 10"/>
+          <p:cNvSpPr/>
+          <p:nvPr/>
+        </p:nvSpPr>
+        <p:spPr>
+          <a:xfrm>
+            <a:off x="6596047" y="6007270"/>
+            <a:ext cx="794428" cy="327118"/>
+          </a:xfrm>
+          <a:prstGeom prst="rightArrow">
+            <a:avLst>
+              <a:gd name="adj1" fmla="val 100000"/>
+              <a:gd name="adj2" fmla="val 50000"/>
+            </a:avLst>
+          </a:prstGeom>
+          <a:solidFill>
+            <a:srgbClr val="07CD00"/>
+          </a:solidFill>
+          <a:ln>
+            <a:noFill/>
+          </a:ln>
+          <a:effectLst/>
+        </p:spPr>
+        <p:style>
+          <a:lnRef idx="1">
+            <a:schemeClr val="accent1"/>
+          </a:lnRef>
+          <a:fillRef idx="3">
+            <a:schemeClr val="accent1"/>
+          </a:fillRef>
+          <a:effectRef idx="2">
+            <a:schemeClr val="accent1"/>
+          </a:effectRef>
+          <a:fontRef idx="minor">
+            <a:schemeClr val="lt1"/>
+          </a:fontRef>
+        </p:style>
+        <p:txBody>
+          <a:bodyPr rtlCol="0" anchor="ctr"/>
+          <a:lstStyle/>
+          <a:p>
+            <a:pPr algn="ctr"/>
+            <a:r>
+              <a:rPr lang="en-US" b="1">
+                <a:solidFill>
+                  <a:srgbClr val="000000"/>
+                </a:solidFill>
+              </a:rPr>
+              <a:t>GFP</a:t>
+            </a:r>
+          </a:p>
+        </p:txBody>
+      </p:sp>
+      <p:sp>
+        <p:nvSpPr>
+          <p:cNvPr id="13" name="Bent Arrow 12"/>
+          <p:cNvSpPr/>
+          <p:nvPr/>
+        </p:nvSpPr>
+        <p:spPr>
+          <a:xfrm>
+            <a:off x="3466313" y="5810123"/>
+            <a:ext cx="385531" cy="525725"/>
+          </a:xfrm>
+          <a:prstGeom prst="bentArrow">
+            <a:avLst/>
+          </a:prstGeom>
+          <a:solidFill>
+            <a:schemeClr val="accent1"/>
+          </a:solidFill>
+          <a:ln>
+            <a:noFill/>
+          </a:ln>
+          <a:effectLst/>
+        </p:spPr>
+        <p:style>
+          <a:lnRef idx="1">
+            <a:schemeClr val="accent1"/>
+          </a:lnRef>
+          <a:fillRef idx="3">
+            <a:schemeClr val="accent1"/>
+          </a:fillRef>
+          <a:effectRef idx="2">
+            <a:schemeClr val="accent1"/>
+          </a:effectRef>
+          <a:fontRef idx="minor">
+            <a:schemeClr val="lt1"/>
+          </a:fontRef>
+        </p:style>
+        <p:txBody>
+          <a:bodyPr rtlCol="0" anchor="ctr"/>
+          <a:lstStyle/>
+          <a:p>
+            <a:pPr algn="ctr"/>
+            <a:endParaRPr lang="en-US">
+              <a:solidFill>
+                <a:schemeClr val="tx1"/>
+              </a:solidFill>
+            </a:endParaRPr>
+          </a:p>
+        </p:txBody>
+      </p:sp>
+      <p:sp>
+        <p:nvSpPr>
+          <p:cNvPr id="14" name="Chord 13"/>
+          <p:cNvSpPr/>
+          <p:nvPr/>
+        </p:nvSpPr>
+        <p:spPr>
+          <a:xfrm>
+            <a:off x="3635713" y="6121178"/>
+            <a:ext cx="408897" cy="408897"/>
+          </a:xfrm>
+          <a:prstGeom prst="chord">
+            <a:avLst>
+              <a:gd name="adj1" fmla="val 10744762"/>
+              <a:gd name="adj2" fmla="val 103101"/>
+            </a:avLst>
+          </a:prstGeom>
+          <a:solidFill>
+            <a:schemeClr val="accent1"/>
+          </a:solidFill>
+          <a:ln>
+            <a:noFill/>
+          </a:ln>
+          <a:effectLst/>
+        </p:spPr>
+        <p:style>
+          <a:lnRef idx="1">
+            <a:schemeClr val="accent1"/>
+          </a:lnRef>
+          <a:fillRef idx="3">
+            <a:schemeClr val="accent1"/>
+          </a:fillRef>
+          <a:effectRef idx="2">
+            <a:schemeClr val="accent1"/>
+          </a:effectRef>
+          <a:fontRef idx="minor">
+            <a:schemeClr val="lt1"/>
+          </a:fontRef>
+        </p:style>
+        <p:txBody>
+          <a:bodyPr rtlCol="0" anchor="ctr"/>
+          <a:lstStyle/>
+          <a:p>
+            <a:pPr algn="ctr"/>
+            <a:endParaRPr lang="en-US"/>
+          </a:p>
+        </p:txBody>
+      </p:sp>
+      <p:sp>
+        <p:nvSpPr>
+          <p:cNvPr id="15" name="Bent Arrow 14"/>
+          <p:cNvSpPr/>
+          <p:nvPr/>
+        </p:nvSpPr>
+        <p:spPr>
+          <a:xfrm>
+            <a:off x="5621784" y="5808663"/>
+            <a:ext cx="385531" cy="525725"/>
+          </a:xfrm>
+          <a:prstGeom prst="bentArrow">
+            <a:avLst/>
+          </a:prstGeom>
+          <a:solidFill>
+            <a:schemeClr val="accent1"/>
+          </a:solidFill>
+          <a:ln>
+            <a:noFill/>
+          </a:ln>
+          <a:effectLst/>
+        </p:spPr>
+        <p:style>
+          <a:lnRef idx="1">
+            <a:schemeClr val="accent1"/>
+          </a:lnRef>
+          <a:fillRef idx="3">
+            <a:schemeClr val="accent1"/>
+          </a:fillRef>
+          <a:effectRef idx="2">
+            <a:schemeClr val="accent1"/>
+          </a:effectRef>
+          <a:fontRef idx="minor">
+            <a:schemeClr val="lt1"/>
+          </a:fontRef>
+        </p:style>
+        <p:txBody>
+          <a:bodyPr rtlCol="0" anchor="ctr"/>
+          <a:lstStyle/>
+          <a:p>
+            <a:pPr algn="ctr"/>
+            <a:endParaRPr lang="en-US">
+              <a:solidFill>
+                <a:schemeClr val="tx1"/>
+              </a:solidFill>
+            </a:endParaRPr>
+          </a:p>
+        </p:txBody>
+      </p:sp>
+      <p:sp>
+        <p:nvSpPr>
+          <p:cNvPr id="16" name="Chord 15"/>
+          <p:cNvSpPr/>
+          <p:nvPr/>
+        </p:nvSpPr>
+        <p:spPr>
+          <a:xfrm>
+            <a:off x="6108684" y="6119717"/>
+            <a:ext cx="408897" cy="408897"/>
+          </a:xfrm>
+          <a:prstGeom prst="chord">
+            <a:avLst>
+              <a:gd name="adj1" fmla="val 10744762"/>
+              <a:gd name="adj2" fmla="val 103101"/>
+            </a:avLst>
+          </a:prstGeom>
+          <a:solidFill>
+            <a:schemeClr val="accent1"/>
+          </a:solidFill>
+          <a:ln>
+            <a:noFill/>
+          </a:ln>
+          <a:effectLst/>
+        </p:spPr>
+        <p:style>
+          <a:lnRef idx="1">
+            <a:schemeClr val="accent1"/>
+          </a:lnRef>
+          <a:fillRef idx="3">
+            <a:schemeClr val="accent1"/>
+          </a:fillRef>
+          <a:effectRef idx="2">
+            <a:schemeClr val="accent1"/>
+          </a:effectRef>
+          <a:fontRef idx="minor">
+            <a:schemeClr val="lt1"/>
+          </a:fontRef>
+        </p:style>
+        <p:txBody>
+          <a:bodyPr rtlCol="0" anchor="ctr"/>
+          <a:lstStyle/>
+          <a:p>
+            <a:pPr algn="ctr"/>
+            <a:endParaRPr lang="en-US"/>
+          </a:p>
+        </p:txBody>
+      </p:sp>
+      <p:sp>
+        <p:nvSpPr>
+          <p:cNvPr id="17" name="Left-Right-Up Arrow 16"/>
+          <p:cNvSpPr/>
+          <p:nvPr/>
+        </p:nvSpPr>
+        <p:spPr>
+          <a:xfrm rot="10800000">
+            <a:off x="5014280" y="5880265"/>
+            <a:ext cx="408897" cy="458460"/>
+          </a:xfrm>
+          <a:prstGeom prst="leftRightUpArrow">
+            <a:avLst>
+              <a:gd name="adj1" fmla="val 45513"/>
+              <a:gd name="adj2" fmla="val 8969"/>
+              <a:gd name="adj3" fmla="val 0"/>
+            </a:avLst>
+          </a:prstGeom>
+          <a:solidFill>
+            <a:schemeClr val="accent2"/>
+          </a:solidFill>
+          <a:ln>
+            <a:noFill/>
+          </a:ln>
+          <a:effectLst/>
+        </p:spPr>
+        <p:style>
+          <a:lnRef idx="1">
+            <a:schemeClr val="accent1"/>
+          </a:lnRef>
+          <a:fillRef idx="3">
+            <a:schemeClr val="accent1"/>
+          </a:fillRef>
+          <a:effectRef idx="2">
+            <a:schemeClr val="accent1"/>
+          </a:effectRef>
+          <a:fontRef idx="minor">
+            <a:schemeClr val="lt1"/>
+          </a:fontRef>
+        </p:style>
+        <p:txBody>
+          <a:bodyPr rtlCol="0" anchor="ctr"/>
+          <a:lstStyle/>
+          <a:p>
+            <a:pPr algn="ctr"/>
+            <a:endParaRPr lang="en-US"/>
+          </a:p>
+        </p:txBody>
+      </p:sp>
+      <p:sp>
+        <p:nvSpPr>
+          <p:cNvPr id="18" name="Left-Right-Up Arrow 17"/>
+          <p:cNvSpPr/>
+          <p:nvPr/>
+        </p:nvSpPr>
+        <p:spPr>
+          <a:xfrm rot="10800000">
+            <a:off x="7423489" y="5875927"/>
+            <a:ext cx="408897" cy="458460"/>
+          </a:xfrm>
+          <a:prstGeom prst="leftRightUpArrow">
+            <a:avLst>
+              <a:gd name="adj1" fmla="val 45513"/>
+              <a:gd name="adj2" fmla="val 8969"/>
+              <a:gd name="adj3" fmla="val 0"/>
+            </a:avLst>
+          </a:prstGeom>
+          <a:solidFill>
+            <a:schemeClr val="accent2"/>
+          </a:solidFill>
+          <a:ln>
+            <a:noFill/>
+          </a:ln>
+          <a:effectLst/>
+        </p:spPr>
+        <p:style>
+          <a:lnRef idx="1">
+            <a:schemeClr val="accent1"/>
+          </a:lnRef>
+          <a:fillRef idx="3">
+            <a:schemeClr val="accent1"/>
+          </a:fillRef>
+          <a:effectRef idx="2">
+            <a:schemeClr val="accent1"/>
+          </a:effectRef>
+          <a:fontRef idx="minor">
+            <a:schemeClr val="lt1"/>
+          </a:fontRef>
+        </p:style>
+        <p:txBody>
+          <a:bodyPr rtlCol="0" anchor="ctr"/>
+          <a:lstStyle/>
+          <a:p>
+            <a:pPr algn="ctr"/>
+            <a:endParaRPr lang="en-US"/>
+          </a:p>
+        </p:txBody>
+      </p:sp>
+      <p:cxnSp>
+        <p:nvCxnSpPr>
+          <p:cNvPr id="9" name="Straight Connector 8"/>
+          <p:cNvCxnSpPr/>
+          <p:nvPr/>
+        </p:nvCxnSpPr>
+        <p:spPr>
+          <a:xfrm>
+            <a:off x="3296913" y="6347532"/>
+            <a:ext cx="4556280" cy="1460"/>
+          </a:xfrm>
+          <a:prstGeom prst="line">
+            <a:avLst/>
+          </a:prstGeom>
+          <a:ln w="38100" cap="flat" cmpd="sng" algn="ctr">
+            <a:solidFill>
+              <a:schemeClr val="tx1"/>
+            </a:solidFill>
+            <a:prstDash val="solid"/>
+            <a:round/>
+            <a:headEnd type="none" w="med" len="med"/>
+            <a:tailEnd type="none" w="med" len="med"/>
+          </a:ln>
+          <a:effectLst/>
+        </p:spPr>
+        <p:style>
+          <a:lnRef idx="2">
+            <a:schemeClr val="accent1"/>
+          </a:lnRef>
+          <a:fillRef idx="0">
+            <a:schemeClr val="accent1"/>
+          </a:fillRef>
+          <a:effectRef idx="1">
+            <a:schemeClr val="accent1"/>
+          </a:effectRef>
+          <a:fontRef idx="minor">
+            <a:schemeClr val="tx1"/>
+          </a:fontRef>
+        </p:style>
+      </p:cxnSp>
+      <p:sp>
+        <p:nvSpPr>
+          <p:cNvPr id="76" name="TextBox 75"/>
+          <p:cNvSpPr txBox="1">
+            <a:spLocks/>
+          </p:cNvSpPr>
+          <p:nvPr/>
+        </p:nvSpPr>
+        <p:spPr>
+          <a:xfrm>
+            <a:off x="5353619" y="6275552"/>
+            <a:ext cx="625464" cy="369332"/>
+          </a:xfrm>
+          <a:prstGeom prst="rect">
+            <a:avLst/>
+          </a:prstGeom>
+          <a:noFill/>
+        </p:spPr>
+        <p:txBody>
+          <a:bodyPr wrap="square" rtlCol="0">
+            <a:spAutoFit/>
+          </a:bodyPr>
+          <a:lstStyle/>
+          <a:p>
+            <a:r>
+              <a:rPr lang="en-US"/>
+              <a:t>pTet</a:t>
+            </a:r>
+          </a:p>
+        </p:txBody>
+      </p:sp>
+      <p:sp>
+        <p:nvSpPr>
+          <p:cNvPr id="148" name="TextBox 147"/>
+          <p:cNvSpPr txBox="1">
+            <a:spLocks/>
+          </p:cNvSpPr>
+          <p:nvPr/>
+        </p:nvSpPr>
+        <p:spPr>
+          <a:xfrm>
+            <a:off x="4154152" y="5017545"/>
+            <a:ext cx="625464" cy="369332"/>
+          </a:xfrm>
+          <a:prstGeom prst="rect">
+            <a:avLst/>
+          </a:prstGeom>
+          <a:noFill/>
+        </p:spPr>
+        <p:txBody>
+          <a:bodyPr wrap="square" rtlCol="0">
+            <a:spAutoFit/>
+          </a:bodyPr>
+          <a:lstStyle/>
+          <a:p>
+            <a:pPr algn="ctr"/>
+            <a:r>
+              <a:rPr lang="en-US" dirty="0" err="1"/>
+              <a:t>aTc</a:t>
+            </a:r>
+            <a:endParaRPr lang="en-US" dirty="0"/>
+          </a:p>
+        </p:txBody>
+      </p:sp>
+      <p:cxnSp>
+        <p:nvCxnSpPr>
+          <p:cNvPr id="152" name="Straight Arrow Connector 151"/>
+          <p:cNvCxnSpPr>
+            <a:cxnSpLocks/>
+          </p:cNvCxnSpPr>
+          <p:nvPr/>
+        </p:nvCxnSpPr>
+        <p:spPr>
+          <a:xfrm>
+            <a:off x="4727246" y="5301617"/>
+            <a:ext cx="197614" cy="67163"/>
+          </a:xfrm>
+          <a:prstGeom prst="straightConnector1">
+            <a:avLst/>
+          </a:prstGeom>
+          <a:ln w="38100" cap="flat" cmpd="sng" algn="ctr">
+            <a:solidFill>
+              <a:srgbClr val="FF0000"/>
+            </a:solidFill>
+            <a:prstDash val="solid"/>
+            <a:round/>
+            <a:headEnd type="none" w="med" len="med"/>
+            <a:tailEnd type="oval" w="lg" len="sm"/>
+          </a:ln>
+          <a:effectLst/>
+        </p:spPr>
+        <p:style>
+          <a:lnRef idx="2">
+            <a:schemeClr val="accent1"/>
+          </a:lnRef>
+          <a:fillRef idx="0">
+            <a:schemeClr val="accent1"/>
+          </a:fillRef>
+          <a:effectRef idx="1">
+            <a:schemeClr val="accent1"/>
+          </a:effectRef>
+          <a:fontRef idx="minor">
+            <a:schemeClr val="tx1"/>
+          </a:fontRef>
+        </p:style>
+      </p:cxnSp>
+      <p:cxnSp>
+        <p:nvCxnSpPr>
+          <p:cNvPr id="157" name="Straight Arrow Connector 156"/>
+          <p:cNvCxnSpPr/>
+          <p:nvPr/>
+        </p:nvCxnSpPr>
+        <p:spPr>
+          <a:xfrm rot="5400000" flipH="1" flipV="1">
+            <a:off x="6814704" y="5773474"/>
+            <a:ext cx="315193" cy="152400"/>
+          </a:xfrm>
+          <a:prstGeom prst="straightConnector1">
+            <a:avLst/>
+          </a:prstGeom>
+          <a:ln w="38100" cap="flat" cmpd="sng" algn="ctr">
+            <a:solidFill>
+              <a:schemeClr val="tx1"/>
+            </a:solidFill>
+            <a:prstDash val="solid"/>
+            <a:round/>
+            <a:headEnd type="none" w="med" len="med"/>
+            <a:tailEnd type="triangle" w="med" len="lg"/>
+          </a:ln>
+        </p:spPr>
+        <p:style>
+          <a:lnRef idx="2">
+            <a:schemeClr val="accent1"/>
+          </a:lnRef>
+          <a:fillRef idx="0">
+            <a:schemeClr val="accent1"/>
+          </a:fillRef>
+          <a:effectRef idx="1">
+            <a:schemeClr val="accent1"/>
+          </a:effectRef>
+          <a:fontRef idx="minor">
+            <a:schemeClr val="tx1"/>
+          </a:fontRef>
+        </p:style>
+      </p:cxnSp>
+      <p:sp>
+        <p:nvSpPr>
+          <p:cNvPr id="158" name="Rectangle 157"/>
+          <p:cNvSpPr/>
+          <p:nvPr/>
+        </p:nvSpPr>
+        <p:spPr>
+          <a:xfrm>
+            <a:off x="3086100" y="5017945"/>
+            <a:ext cx="2959100" cy="1674955"/>
+          </a:xfrm>
+          <a:prstGeom prst="rect">
+            <a:avLst/>
+          </a:prstGeom>
+          <a:noFill/>
+          <a:ln w="9525" cap="flat" cmpd="sng" algn="ctr">
+            <a:solidFill>
+              <a:schemeClr val="bg1">
+                <a:lumMod val="50000"/>
+              </a:schemeClr>
+            </a:solidFill>
+            <a:prstDash val="dash"/>
+            <a:round/>
+            <a:headEnd type="none" w="med" len="med"/>
+            <a:tailEnd type="none" w="med" len="med"/>
+          </a:ln>
+        </p:spPr>
+        <p:style>
+          <a:lnRef idx="1">
+            <a:schemeClr val="accent1"/>
+          </a:lnRef>
+          <a:fillRef idx="3">
+            <a:schemeClr val="accent1"/>
+          </a:fillRef>
+          <a:effectRef idx="2">
+            <a:schemeClr val="accent1"/>
+          </a:effectRef>
+          <a:fontRef idx="minor">
+            <a:schemeClr val="lt1"/>
+          </a:fontRef>
+        </p:style>
+        <p:txBody>
+          <a:bodyPr rtlCol="0" anchor="ctr"/>
+          <a:lstStyle/>
+          <a:p>
+            <a:pPr algn="ctr"/>
+            <a:endParaRPr lang="en-US"/>
+          </a:p>
+        </p:txBody>
+      </p:sp>
+      <p:sp>
+        <p:nvSpPr>
+          <p:cNvPr id="159" name="Rectangle 158"/>
+          <p:cNvSpPr/>
+          <p:nvPr/>
+        </p:nvSpPr>
+        <p:spPr>
+          <a:xfrm>
+            <a:off x="6083284" y="5017387"/>
+            <a:ext cx="1905016" cy="1674955"/>
+          </a:xfrm>
+          <a:prstGeom prst="rect">
+            <a:avLst/>
+          </a:prstGeom>
+          <a:noFill/>
+          <a:ln w="9525" cap="flat" cmpd="sng" algn="ctr">
+            <a:solidFill>
+              <a:schemeClr val="bg1">
+                <a:lumMod val="50000"/>
+              </a:schemeClr>
+            </a:solidFill>
+            <a:prstDash val="dash"/>
+            <a:round/>
+            <a:headEnd type="none" w="med" len="med"/>
+            <a:tailEnd type="none" w="med" len="med"/>
+          </a:ln>
+        </p:spPr>
+        <p:style>
+          <a:lnRef idx="1">
+            <a:schemeClr val="accent1"/>
+          </a:lnRef>
+          <a:fillRef idx="3">
+            <a:schemeClr val="accent1"/>
+          </a:fillRef>
+          <a:effectRef idx="2">
+            <a:schemeClr val="accent1"/>
+          </a:effectRef>
+          <a:fontRef idx="minor">
+            <a:schemeClr val="lt1"/>
+          </a:fontRef>
+        </p:style>
+        <p:txBody>
+          <a:bodyPr rtlCol="0" anchor="ctr"/>
+          <a:lstStyle/>
+          <a:p>
+            <a:pPr algn="ctr"/>
+            <a:endParaRPr lang="en-US"/>
+          </a:p>
+        </p:txBody>
+      </p:sp>
+      <p:sp>
+        <p:nvSpPr>
+          <p:cNvPr id="200" name="TextBox 199"/>
+          <p:cNvSpPr txBox="1">
+            <a:spLocks/>
+          </p:cNvSpPr>
+          <p:nvPr/>
+        </p:nvSpPr>
+        <p:spPr>
+          <a:xfrm>
+            <a:off x="3073400" y="4974743"/>
+            <a:ext cx="1198588" cy="338554"/>
+          </a:xfrm>
+          <a:prstGeom prst="rect">
+            <a:avLst/>
+          </a:prstGeom>
+          <a:noFill/>
+        </p:spPr>
+        <p:txBody>
+          <a:bodyPr wrap="square" rtlCol="0">
+            <a:spAutoFit/>
+          </a:bodyPr>
+          <a:lstStyle/>
+          <a:p>
+            <a:r>
+              <a:rPr lang="en-US" sz="1600" i="1">
+                <a:solidFill>
+                  <a:schemeClr val="tx1">
+                    <a:lumMod val="50000"/>
+                    <a:lumOff val="50000"/>
+                  </a:schemeClr>
+                </a:solidFill>
+              </a:rPr>
+              <a:t>aTc detector</a:t>
+            </a:r>
+          </a:p>
+        </p:txBody>
+      </p:sp>
+      <p:sp>
+        <p:nvSpPr>
+          <p:cNvPr id="201" name="TextBox 200"/>
+          <p:cNvSpPr txBox="1">
+            <a:spLocks/>
+          </p:cNvSpPr>
+          <p:nvPr/>
+        </p:nvSpPr>
+        <p:spPr>
+          <a:xfrm>
+            <a:off x="6631008" y="4970839"/>
+            <a:ext cx="1391934" cy="338554"/>
+          </a:xfrm>
+          <a:prstGeom prst="rect">
+            <a:avLst/>
+          </a:prstGeom>
+          <a:noFill/>
+        </p:spPr>
+        <p:txBody>
+          <a:bodyPr wrap="square" rtlCol="0">
+            <a:spAutoFit/>
+          </a:bodyPr>
+          <a:lstStyle/>
+          <a:p>
+            <a:pPr algn="r"/>
+            <a:r>
+              <a:rPr lang="en-US" sz="1600" i="1" dirty="0">
+                <a:solidFill>
+                  <a:schemeClr val="tx1">
+                    <a:lumMod val="50000"/>
+                    <a:lumOff val="50000"/>
+                  </a:schemeClr>
+                </a:solidFill>
+              </a:rPr>
+              <a:t>GFP reporter</a:t>
+            </a:r>
+          </a:p>
+        </p:txBody>
+      </p:sp>
+      <p:grpSp>
+        <p:nvGrpSpPr>
+          <p:cNvPr id="5" name="Group 202"/>
+          <p:cNvGrpSpPr/>
+          <p:nvPr/>
+        </p:nvGrpSpPr>
+        <p:grpSpPr>
+          <a:xfrm>
+            <a:off x="3073400" y="3197978"/>
+            <a:ext cx="4949542" cy="1315661"/>
+            <a:chOff x="3073400" y="5313739"/>
+            <a:chExt cx="4949542" cy="1315661"/>
+          </a:xfrm>
+        </p:grpSpPr>
+        <p:sp>
+          <p:nvSpPr>
+            <p:cNvPr id="204" name="Right Arrow 203"/>
+            <p:cNvSpPr/>
+            <p:nvPr/>
+          </p:nvSpPr>
+          <p:spPr>
+            <a:xfrm>
+              <a:off x="4161438" y="5945231"/>
+              <a:ext cx="794428" cy="327118"/>
+            </a:xfrm>
+            <a:prstGeom prst="rightArrow">
+              <a:avLst>
+                <a:gd name="adj1" fmla="val 100000"/>
+                <a:gd name="adj2" fmla="val 50000"/>
+              </a:avLst>
+            </a:prstGeom>
+            <a:solidFill>
+              <a:schemeClr val="accent4"/>
+            </a:solidFill>
+            <a:ln>
+              <a:noFill/>
+            </a:ln>
+            <a:effectLst/>
+          </p:spPr>
+          <p:style>
+            <a:lnRef idx="1">
+              <a:schemeClr val="accent1"/>
+            </a:lnRef>
+            <a:fillRef idx="3">
+              <a:schemeClr val="accent1"/>
+            </a:fillRef>
+            <a:effectRef idx="2">
+              <a:schemeClr val="accent1"/>
+            </a:effectRef>
+            <a:fontRef idx="minor">
+              <a:schemeClr val="lt1"/>
+            </a:fontRef>
+          </p:style>
+          <p:txBody>
+            <a:bodyPr rtlCol="0" anchor="ctr"/>
+            <a:lstStyle/>
+            <a:p>
+              <a:pPr algn="ctr"/>
+              <a:r>
+                <a:rPr lang="en-US" b="1">
+                  <a:solidFill>
+                    <a:srgbClr val="000000"/>
+                  </a:solidFill>
+                </a:rPr>
+                <a:t>TetR</a:t>
+              </a:r>
+            </a:p>
+          </p:txBody>
+        </p:sp>
+        <p:sp>
+          <p:nvSpPr>
+            <p:cNvPr id="205" name="Right Arrow 204"/>
+            <p:cNvSpPr/>
+            <p:nvPr/>
+          </p:nvSpPr>
+          <p:spPr>
+            <a:xfrm>
+              <a:off x="6596047" y="5943770"/>
+              <a:ext cx="794428" cy="327118"/>
+            </a:xfrm>
+            <a:prstGeom prst="rightArrow">
+              <a:avLst>
+                <a:gd name="adj1" fmla="val 100000"/>
+                <a:gd name="adj2" fmla="val 50000"/>
+              </a:avLst>
+            </a:prstGeom>
+            <a:solidFill>
+              <a:srgbClr val="07CD00"/>
+            </a:solidFill>
+            <a:ln>
+              <a:noFill/>
+            </a:ln>
+            <a:effectLst/>
+          </p:spPr>
+          <p:style>
+            <a:lnRef idx="1">
+              <a:schemeClr val="accent1"/>
+            </a:lnRef>
+            <a:fillRef idx="3">
+              <a:schemeClr val="accent1"/>
+            </a:fillRef>
+            <a:effectRef idx="2">
+              <a:schemeClr val="accent1"/>
+            </a:effectRef>
+            <a:fontRef idx="minor">
+              <a:schemeClr val="lt1"/>
+            </a:fontRef>
+          </p:style>
+          <p:txBody>
+            <a:bodyPr rtlCol="0" anchor="ctr"/>
+            <a:lstStyle/>
+            <a:p>
+              <a:pPr algn="ctr"/>
+              <a:r>
+                <a:rPr lang="en-US" b="1">
+                  <a:solidFill>
+                    <a:srgbClr val="000000"/>
+                  </a:solidFill>
+                </a:rPr>
+                <a:t>GFP</a:t>
+              </a:r>
+            </a:p>
+          </p:txBody>
+        </p:sp>
+        <p:sp>
+          <p:nvSpPr>
+            <p:cNvPr id="206" name="Bent Arrow 205"/>
+            <p:cNvSpPr/>
+            <p:nvPr/>
+          </p:nvSpPr>
+          <p:spPr>
+            <a:xfrm>
+              <a:off x="3466313" y="5746623"/>
+              <a:ext cx="385531" cy="525725"/>
+            </a:xfrm>
+            <a:prstGeom prst="bentArrow">
+              <a:avLst/>
+            </a:prstGeom>
+            <a:solidFill>
+              <a:schemeClr val="accent1"/>
+            </a:solidFill>
+            <a:ln>
+              <a:noFill/>
+            </a:ln>
+            <a:effectLst/>
+          </p:spPr>
+          <p:style>
+            <a:lnRef idx="1">
+              <a:schemeClr val="accent1"/>
+            </a:lnRef>
+            <a:fillRef idx="3">
+              <a:schemeClr val="accent1"/>
+            </a:fillRef>
+            <a:effectRef idx="2">
+              <a:schemeClr val="accent1"/>
+            </a:effectRef>
+            <a:fontRef idx="minor">
+              <a:schemeClr val="lt1"/>
+            </a:fontRef>
+          </p:style>
+          <p:txBody>
+            <a:bodyPr rtlCol="0" anchor="ctr"/>
+            <a:lstStyle/>
+            <a:p>
+              <a:pPr algn="ctr"/>
+              <a:endParaRPr lang="en-US">
+                <a:solidFill>
+                  <a:schemeClr val="tx1"/>
+                </a:solidFill>
+              </a:endParaRPr>
+            </a:p>
+          </p:txBody>
+        </p:sp>
+        <p:sp>
+          <p:nvSpPr>
+            <p:cNvPr id="207" name="Chord 206"/>
+            <p:cNvSpPr/>
+            <p:nvPr/>
+          </p:nvSpPr>
+          <p:spPr>
+            <a:xfrm>
+              <a:off x="3635713" y="6057678"/>
+              <a:ext cx="408897" cy="408897"/>
+            </a:xfrm>
+            <a:prstGeom prst="chord">
+              <a:avLst>
+                <a:gd name="adj1" fmla="val 10744762"/>
+                <a:gd name="adj2" fmla="val 103101"/>
+              </a:avLst>
+            </a:prstGeom>
+            <a:solidFill>
+              <a:schemeClr val="accent1"/>
+            </a:solidFill>
+            <a:ln>
+              <a:noFill/>
+            </a:ln>
+            <a:effectLst/>
+          </p:spPr>
+          <p:style>
+            <a:lnRef idx="1">
+              <a:schemeClr val="accent1"/>
+            </a:lnRef>
+            <a:fillRef idx="3">
+              <a:schemeClr val="accent1"/>
+            </a:fillRef>
+            <a:effectRef idx="2">
+              <a:schemeClr val="accent1"/>
+            </a:effectRef>
+            <a:fontRef idx="minor">
+              <a:schemeClr val="lt1"/>
+            </a:fontRef>
+          </p:style>
+          <p:txBody>
+            <a:bodyPr rtlCol="0" anchor="ctr"/>
+            <a:lstStyle/>
+            <a:p>
+              <a:pPr algn="ctr"/>
+              <a:endParaRPr lang="en-US"/>
+            </a:p>
+          </p:txBody>
+        </p:sp>
+        <p:sp>
+          <p:nvSpPr>
+            <p:cNvPr id="208" name="Bent Arrow 207"/>
+            <p:cNvSpPr/>
+            <p:nvPr/>
+          </p:nvSpPr>
+          <p:spPr>
+            <a:xfrm>
+              <a:off x="5621784" y="5745163"/>
+              <a:ext cx="385531" cy="525725"/>
+            </a:xfrm>
+            <a:prstGeom prst="bentArrow">
+              <a:avLst/>
+            </a:prstGeom>
+            <a:solidFill>
+              <a:schemeClr val="accent1"/>
+            </a:solidFill>
+            <a:ln>
+              <a:noFill/>
+            </a:ln>
+            <a:effectLst/>
+          </p:spPr>
+          <p:style>
+            <a:lnRef idx="1">
+              <a:schemeClr val="accent1"/>
+            </a:lnRef>
+            <a:fillRef idx="3">
+              <a:schemeClr val="accent1"/>
+            </a:fillRef>
+            <a:effectRef idx="2">
+              <a:schemeClr val="accent1"/>
+            </a:effectRef>
+            <a:fontRef idx="minor">
+              <a:schemeClr val="lt1"/>
+            </a:fontRef>
+          </p:style>
+          <p:txBody>
+            <a:bodyPr rtlCol="0" anchor="ctr"/>
+            <a:lstStyle/>
+            <a:p>
+              <a:pPr algn="ctr"/>
+              <a:endParaRPr lang="en-US">
+                <a:solidFill>
+                  <a:schemeClr val="tx1"/>
+                </a:solidFill>
+              </a:endParaRPr>
+            </a:p>
+          </p:txBody>
+        </p:sp>
+        <p:sp>
+          <p:nvSpPr>
+            <p:cNvPr id="209" name="Chord 208"/>
+            <p:cNvSpPr/>
+            <p:nvPr/>
+          </p:nvSpPr>
+          <p:spPr>
+            <a:xfrm>
+              <a:off x="6108684" y="6056217"/>
+              <a:ext cx="408897" cy="408897"/>
+            </a:xfrm>
+            <a:prstGeom prst="chord">
+              <a:avLst>
+                <a:gd name="adj1" fmla="val 10744762"/>
+                <a:gd name="adj2" fmla="val 103101"/>
+              </a:avLst>
+            </a:prstGeom>
+            <a:solidFill>
+              <a:schemeClr val="accent1"/>
+            </a:solidFill>
+            <a:ln>
+              <a:noFill/>
+            </a:ln>
+            <a:effectLst/>
+          </p:spPr>
+          <p:style>
+            <a:lnRef idx="1">
+              <a:schemeClr val="accent1"/>
+            </a:lnRef>
+            <a:fillRef idx="3">
+              <a:schemeClr val="accent1"/>
+            </a:fillRef>
+            <a:effectRef idx="2">
+              <a:schemeClr val="accent1"/>
+            </a:effectRef>
+            <a:fontRef idx="minor">
+              <a:schemeClr val="lt1"/>
+            </a:fontRef>
+          </p:style>
+          <p:txBody>
+            <a:bodyPr rtlCol="0" anchor="ctr"/>
+            <a:lstStyle/>
+            <a:p>
+              <a:pPr algn="ctr"/>
+              <a:endParaRPr lang="en-US"/>
+            </a:p>
+          </p:txBody>
+        </p:sp>
+        <p:sp>
+          <p:nvSpPr>
+            <p:cNvPr id="210" name="Left-Right-Up Arrow 209"/>
+            <p:cNvSpPr/>
+            <p:nvPr/>
+          </p:nvSpPr>
+          <p:spPr>
+            <a:xfrm rot="10800000">
+              <a:off x="5014280" y="5816765"/>
+              <a:ext cx="408897" cy="458460"/>
+            </a:xfrm>
+            <a:prstGeom prst="leftRightUpArrow">
+              <a:avLst>
+                <a:gd name="adj1" fmla="val 45513"/>
+                <a:gd name="adj2" fmla="val 8969"/>
+                <a:gd name="adj3" fmla="val 0"/>
+              </a:avLst>
+            </a:prstGeom>
+            <a:solidFill>
+              <a:schemeClr val="accent2"/>
+            </a:solidFill>
+            <a:ln>
+              <a:noFill/>
+            </a:ln>
+            <a:effectLst/>
+          </p:spPr>
+          <p:style>
+            <a:lnRef idx="1">
+              <a:schemeClr val="accent1"/>
+            </a:lnRef>
+            <a:fillRef idx="3">
+              <a:schemeClr val="accent1"/>
+            </a:fillRef>
+            <a:effectRef idx="2">
+              <a:schemeClr val="accent1"/>
+            </a:effectRef>
+            <a:fontRef idx="minor">
+              <a:schemeClr val="lt1"/>
+            </a:fontRef>
+          </p:style>
+          <p:txBody>
+            <a:bodyPr rtlCol="0" anchor="ctr"/>
+            <a:lstStyle/>
+            <a:p>
+              <a:pPr algn="ctr"/>
+              <a:endParaRPr lang="en-US"/>
+            </a:p>
+          </p:txBody>
+        </p:sp>
+        <p:sp>
+          <p:nvSpPr>
+            <p:cNvPr id="211" name="Left-Right-Up Arrow 210"/>
+            <p:cNvSpPr/>
+            <p:nvPr/>
+          </p:nvSpPr>
+          <p:spPr>
+            <a:xfrm rot="10800000">
+              <a:off x="7423489" y="5812427"/>
+              <a:ext cx="408897" cy="458460"/>
+            </a:xfrm>
+            <a:prstGeom prst="leftRightUpArrow">
+              <a:avLst>
+                <a:gd name="adj1" fmla="val 45513"/>
+                <a:gd name="adj2" fmla="val 8969"/>
+                <a:gd name="adj3" fmla="val 0"/>
+              </a:avLst>
+            </a:prstGeom>
+            <a:solidFill>
+              <a:schemeClr val="accent2"/>
+            </a:solidFill>
+            <a:ln>
+              <a:noFill/>
+            </a:ln>
+            <a:effectLst/>
+          </p:spPr>
+          <p:style>
+            <a:lnRef idx="1">
+              <a:schemeClr val="accent1"/>
+            </a:lnRef>
+            <a:fillRef idx="3">
+              <a:schemeClr val="accent1"/>
+            </a:fillRef>
+            <a:effectRef idx="2">
+              <a:schemeClr val="accent1"/>
+            </a:effectRef>
+            <a:fontRef idx="minor">
+              <a:schemeClr val="lt1"/>
+            </a:fontRef>
+          </p:style>
+          <p:txBody>
+            <a:bodyPr rtlCol="0" anchor="ctr"/>
+            <a:lstStyle/>
+            <a:p>
+              <a:pPr algn="ctr"/>
+              <a:endParaRPr lang="en-US"/>
+            </a:p>
+          </p:txBody>
+        </p:sp>
+        <p:cxnSp>
+          <p:nvCxnSpPr>
+            <p:cNvPr id="212" name="Straight Connector 211"/>
+            <p:cNvCxnSpPr/>
+            <p:nvPr/>
+          </p:nvCxnSpPr>
+          <p:spPr>
+            <a:xfrm>
+              <a:off x="3296913" y="6284032"/>
+              <a:ext cx="4556280" cy="1460"/>
+            </a:xfrm>
+            <a:prstGeom prst="line">
+              <a:avLst/>
+            </a:prstGeom>
+            <a:ln w="38100" cap="flat" cmpd="sng" algn="ctr">
+              <a:solidFill>
+                <a:schemeClr val="tx1"/>
+              </a:solidFill>
+              <a:prstDash val="solid"/>
+              <a:round/>
+              <a:headEnd type="none" w="med" len="med"/>
+              <a:tailEnd type="none" w="med" len="med"/>
+            </a:ln>
+            <a:effectLst/>
+          </p:spPr>
+          <p:style>
+            <a:lnRef idx="2">
+              <a:schemeClr val="accent1"/>
+            </a:lnRef>
+            <a:fillRef idx="0">
+              <a:schemeClr val="accent1"/>
+            </a:fillRef>
+            <a:effectRef idx="1">
+              <a:schemeClr val="accent1"/>
+            </a:effectRef>
+            <a:fontRef idx="minor">
+              <a:schemeClr val="tx1"/>
+            </a:fontRef>
+          </p:style>
+        </p:cxnSp>
+        <p:sp>
+          <p:nvSpPr>
+            <p:cNvPr id="213" name="TextBox 212"/>
+            <p:cNvSpPr txBox="1">
+              <a:spLocks/>
+            </p:cNvSpPr>
+            <p:nvPr/>
+          </p:nvSpPr>
+          <p:spPr>
+            <a:xfrm>
+              <a:off x="5353619" y="6212052"/>
+              <a:ext cx="625464" cy="369332"/>
+            </a:xfrm>
+            <a:prstGeom prst="rect">
+              <a:avLst/>
+            </a:prstGeom>
+            <a:noFill/>
+          </p:spPr>
+          <p:txBody>
+            <a:bodyPr wrap="square" rtlCol="0">
+              <a:spAutoFit/>
+            </a:bodyPr>
+            <a:lstStyle/>
+            <a:p>
+              <a:r>
+                <a:rPr lang="en-US"/>
+                <a:t>pTet</a:t>
+              </a:r>
+            </a:p>
+          </p:txBody>
+        </p:sp>
+        <p:sp>
+          <p:nvSpPr>
+            <p:cNvPr id="220" name="Rectangle 219"/>
+            <p:cNvSpPr/>
+            <p:nvPr/>
+          </p:nvSpPr>
+          <p:spPr>
+            <a:xfrm>
+              <a:off x="3086100" y="5366961"/>
+              <a:ext cx="2959100" cy="1262439"/>
+            </a:xfrm>
+            <a:prstGeom prst="rect">
+              <a:avLst/>
+            </a:prstGeom>
+            <a:noFill/>
+            <a:ln w="9525" cap="flat" cmpd="sng" algn="ctr">
+              <a:solidFill>
+                <a:schemeClr val="bg1">
+                  <a:lumMod val="50000"/>
+                </a:schemeClr>
+              </a:solidFill>
+              <a:prstDash val="dash"/>
+              <a:round/>
+              <a:headEnd type="none" w="med" len="med"/>
+              <a:tailEnd type="none" w="med" len="med"/>
+            </a:ln>
+          </p:spPr>
+          <p:style>
+            <a:lnRef idx="1">
+              <a:schemeClr val="accent1"/>
+            </a:lnRef>
+            <a:fillRef idx="3">
+              <a:schemeClr val="accent1"/>
+            </a:fillRef>
+            <a:effectRef idx="2">
+              <a:schemeClr val="accent1"/>
+            </a:effectRef>
+            <a:fontRef idx="minor">
+              <a:schemeClr val="lt1"/>
+            </a:fontRef>
+          </p:style>
+          <p:txBody>
+            <a:bodyPr rtlCol="0" anchor="ctr"/>
+            <a:lstStyle/>
+            <a:p>
+              <a:pPr algn="ctr"/>
+              <a:endParaRPr lang="en-US"/>
+            </a:p>
+          </p:txBody>
+        </p:sp>
+        <p:sp>
+          <p:nvSpPr>
+            <p:cNvPr id="221" name="Rectangle 220"/>
+            <p:cNvSpPr/>
+            <p:nvPr/>
+          </p:nvSpPr>
+          <p:spPr>
+            <a:xfrm>
+              <a:off x="6083284" y="5366403"/>
+              <a:ext cx="1905016" cy="1262439"/>
+            </a:xfrm>
+            <a:prstGeom prst="rect">
+              <a:avLst/>
+            </a:prstGeom>
+            <a:noFill/>
+            <a:ln w="9525" cap="flat" cmpd="sng" algn="ctr">
+              <a:solidFill>
+                <a:schemeClr val="bg1">
+                  <a:lumMod val="50000"/>
+                </a:schemeClr>
+              </a:solidFill>
+              <a:prstDash val="dash"/>
+              <a:round/>
+              <a:headEnd type="none" w="med" len="med"/>
+              <a:tailEnd type="none" w="med" len="med"/>
+            </a:ln>
+          </p:spPr>
+          <p:style>
+            <a:lnRef idx="1">
+              <a:schemeClr val="accent1"/>
+            </a:lnRef>
+            <a:fillRef idx="3">
+              <a:schemeClr val="accent1"/>
+            </a:fillRef>
+            <a:effectRef idx="2">
+              <a:schemeClr val="accent1"/>
+            </a:effectRef>
+            <a:fontRef idx="minor">
+              <a:schemeClr val="lt1"/>
+            </a:fontRef>
+          </p:style>
+          <p:txBody>
+            <a:bodyPr rtlCol="0" anchor="ctr"/>
+            <a:lstStyle/>
+            <a:p>
+              <a:pPr algn="ctr"/>
+              <a:endParaRPr lang="en-US"/>
+            </a:p>
+          </p:txBody>
+        </p:sp>
+        <p:sp>
+          <p:nvSpPr>
+            <p:cNvPr id="222" name="TextBox 221"/>
+            <p:cNvSpPr txBox="1">
+              <a:spLocks/>
+            </p:cNvSpPr>
+            <p:nvPr/>
+          </p:nvSpPr>
+          <p:spPr>
+            <a:xfrm>
+              <a:off x="3073400" y="5317643"/>
+              <a:ext cx="1198588" cy="338554"/>
+            </a:xfrm>
+            <a:prstGeom prst="rect">
+              <a:avLst/>
+            </a:prstGeom>
+            <a:noFill/>
+          </p:spPr>
+          <p:txBody>
+            <a:bodyPr wrap="square" rtlCol="0">
+              <a:spAutoFit/>
+            </a:bodyPr>
+            <a:lstStyle/>
+            <a:p>
+              <a:r>
+                <a:rPr lang="en-US" sz="1600" i="1">
+                  <a:solidFill>
+                    <a:schemeClr val="tx1">
+                      <a:lumMod val="50000"/>
+                      <a:lumOff val="50000"/>
+                    </a:schemeClr>
+                  </a:solidFill>
+                </a:rPr>
+                <a:t>aTc detector</a:t>
+              </a:r>
+            </a:p>
+          </p:txBody>
+        </p:sp>
+        <p:sp>
+          <p:nvSpPr>
+            <p:cNvPr id="223" name="TextBox 222"/>
+            <p:cNvSpPr txBox="1">
+              <a:spLocks/>
+            </p:cNvSpPr>
+            <p:nvPr/>
+          </p:nvSpPr>
+          <p:spPr>
+            <a:xfrm>
+              <a:off x="6631008" y="5313739"/>
+              <a:ext cx="1391934" cy="338554"/>
+            </a:xfrm>
+            <a:prstGeom prst="rect">
+              <a:avLst/>
+            </a:prstGeom>
+            <a:noFill/>
+          </p:spPr>
+          <p:txBody>
+            <a:bodyPr wrap="square" rtlCol="0">
+              <a:spAutoFit/>
+            </a:bodyPr>
+            <a:lstStyle/>
+            <a:p>
+              <a:pPr algn="r"/>
+              <a:r>
+                <a:rPr lang="en-US" sz="1600" i="1">
+                  <a:solidFill>
+                    <a:schemeClr val="tx1">
+                      <a:lumMod val="50000"/>
+                      <a:lumOff val="50000"/>
+                    </a:schemeClr>
+                  </a:solidFill>
+                </a:rPr>
+                <a:t>GFP reporter</a:t>
+              </a:r>
+            </a:p>
+          </p:txBody>
+        </p:sp>
+      </p:grpSp>
+      <p:grpSp>
+        <p:nvGrpSpPr>
+          <p:cNvPr id="7" name="Group 223"/>
+          <p:cNvGrpSpPr/>
+          <p:nvPr/>
+        </p:nvGrpSpPr>
+        <p:grpSpPr>
+          <a:xfrm>
+            <a:off x="3292264" y="1956659"/>
+            <a:ext cx="4556280" cy="836221"/>
+            <a:chOff x="3296913" y="5745163"/>
+            <a:chExt cx="4556280" cy="836221"/>
+          </a:xfrm>
+        </p:grpSpPr>
+        <p:sp>
+          <p:nvSpPr>
+            <p:cNvPr id="225" name="Right Arrow 224"/>
+            <p:cNvSpPr/>
+            <p:nvPr/>
+          </p:nvSpPr>
+          <p:spPr>
+            <a:xfrm>
+              <a:off x="4161438" y="5945231"/>
+              <a:ext cx="794428" cy="327118"/>
+            </a:xfrm>
+            <a:prstGeom prst="rightArrow">
+              <a:avLst>
+                <a:gd name="adj1" fmla="val 100000"/>
+                <a:gd name="adj2" fmla="val 50000"/>
+              </a:avLst>
+            </a:prstGeom>
+            <a:solidFill>
+              <a:schemeClr val="accent4"/>
+            </a:solidFill>
+            <a:ln>
+              <a:noFill/>
+            </a:ln>
+            <a:effectLst/>
+          </p:spPr>
+          <p:style>
+            <a:lnRef idx="1">
+              <a:schemeClr val="accent1"/>
+            </a:lnRef>
+            <a:fillRef idx="3">
+              <a:schemeClr val="accent1"/>
+            </a:fillRef>
+            <a:effectRef idx="2">
+              <a:schemeClr val="accent1"/>
+            </a:effectRef>
+            <a:fontRef idx="minor">
+              <a:schemeClr val="lt1"/>
+            </a:fontRef>
+          </p:style>
+          <p:txBody>
+            <a:bodyPr rtlCol="0" anchor="ctr"/>
+            <a:lstStyle/>
+            <a:p>
+              <a:pPr algn="ctr"/>
+              <a:r>
+                <a:rPr lang="en-US" b="1">
+                  <a:solidFill>
+                    <a:srgbClr val="000000"/>
+                  </a:solidFill>
+                </a:rPr>
+                <a:t>TetR</a:t>
+              </a:r>
+            </a:p>
+          </p:txBody>
+        </p:sp>
+        <p:sp>
+          <p:nvSpPr>
+            <p:cNvPr id="226" name="Right Arrow 225"/>
+            <p:cNvSpPr/>
+            <p:nvPr/>
+          </p:nvSpPr>
+          <p:spPr>
+            <a:xfrm>
+              <a:off x="6596047" y="5943770"/>
+              <a:ext cx="794428" cy="327118"/>
+            </a:xfrm>
+            <a:prstGeom prst="rightArrow">
+              <a:avLst>
+                <a:gd name="adj1" fmla="val 100000"/>
+                <a:gd name="adj2" fmla="val 50000"/>
+              </a:avLst>
+            </a:prstGeom>
+            <a:solidFill>
+              <a:srgbClr val="07CD00"/>
+            </a:solidFill>
+            <a:ln>
+              <a:noFill/>
+            </a:ln>
+            <a:effectLst/>
+          </p:spPr>
+          <p:style>
+            <a:lnRef idx="1">
+              <a:schemeClr val="accent1"/>
+            </a:lnRef>
+            <a:fillRef idx="3">
+              <a:schemeClr val="accent1"/>
+            </a:fillRef>
+            <a:effectRef idx="2">
+              <a:schemeClr val="accent1"/>
+            </a:effectRef>
+            <a:fontRef idx="minor">
+              <a:schemeClr val="lt1"/>
+            </a:fontRef>
+          </p:style>
+          <p:txBody>
+            <a:bodyPr rtlCol="0" anchor="ctr"/>
+            <a:lstStyle/>
+            <a:p>
+              <a:pPr algn="ctr"/>
+              <a:r>
+                <a:rPr lang="en-US" b="1">
+                  <a:solidFill>
+                    <a:srgbClr val="000000"/>
+                  </a:solidFill>
+                </a:rPr>
+                <a:t>GFP</a:t>
+              </a:r>
+            </a:p>
+          </p:txBody>
+        </p:sp>
+        <p:sp>
+          <p:nvSpPr>
+            <p:cNvPr id="227" name="Bent Arrow 226"/>
+            <p:cNvSpPr/>
+            <p:nvPr/>
+          </p:nvSpPr>
+          <p:spPr>
+            <a:xfrm>
+              <a:off x="3466313" y="5746623"/>
+              <a:ext cx="385531" cy="525725"/>
+            </a:xfrm>
+            <a:prstGeom prst="bentArrow">
+              <a:avLst/>
+            </a:prstGeom>
+            <a:solidFill>
+              <a:schemeClr val="accent1"/>
+            </a:solidFill>
+            <a:ln>
+              <a:noFill/>
+            </a:ln>
+            <a:effectLst/>
+          </p:spPr>
+          <p:style>
+            <a:lnRef idx="1">
+              <a:schemeClr val="accent1"/>
+            </a:lnRef>
+            <a:fillRef idx="3">
+              <a:schemeClr val="accent1"/>
+            </a:fillRef>
+            <a:effectRef idx="2">
+              <a:schemeClr val="accent1"/>
+            </a:effectRef>
+            <a:fontRef idx="minor">
+              <a:schemeClr val="lt1"/>
+            </a:fontRef>
+          </p:style>
+          <p:txBody>
+            <a:bodyPr rtlCol="0" anchor="ctr"/>
+            <a:lstStyle/>
+            <a:p>
+              <a:pPr algn="ctr"/>
+              <a:endParaRPr lang="en-US">
+                <a:solidFill>
+                  <a:schemeClr val="tx1"/>
+                </a:solidFill>
+              </a:endParaRPr>
+            </a:p>
+          </p:txBody>
+        </p:sp>
+        <p:sp>
+          <p:nvSpPr>
+            <p:cNvPr id="228" name="Chord 227"/>
+            <p:cNvSpPr/>
+            <p:nvPr/>
+          </p:nvSpPr>
+          <p:spPr>
+            <a:xfrm>
+              <a:off x="3635713" y="6057678"/>
+              <a:ext cx="408897" cy="408897"/>
+            </a:xfrm>
+            <a:prstGeom prst="chord">
+              <a:avLst>
+                <a:gd name="adj1" fmla="val 10744762"/>
+                <a:gd name="adj2" fmla="val 103101"/>
+              </a:avLst>
+            </a:prstGeom>
+            <a:solidFill>
+              <a:schemeClr val="accent1"/>
+            </a:solidFill>
+            <a:ln>
+              <a:noFill/>
+            </a:ln>
+            <a:effectLst/>
+          </p:spPr>
+          <p:style>
+            <a:lnRef idx="1">
+              <a:schemeClr val="accent1"/>
+            </a:lnRef>
+            <a:fillRef idx="3">
+              <a:schemeClr val="accent1"/>
+            </a:fillRef>
+            <a:effectRef idx="2">
+              <a:schemeClr val="accent1"/>
+            </a:effectRef>
+            <a:fontRef idx="minor">
+              <a:schemeClr val="lt1"/>
+            </a:fontRef>
+          </p:style>
+          <p:txBody>
+            <a:bodyPr rtlCol="0" anchor="ctr"/>
+            <a:lstStyle/>
+            <a:p>
+              <a:pPr algn="ctr"/>
+              <a:endParaRPr lang="en-US"/>
+            </a:p>
+          </p:txBody>
+        </p:sp>
+        <p:sp>
+          <p:nvSpPr>
+            <p:cNvPr id="229" name="Bent Arrow 228"/>
+            <p:cNvSpPr/>
+            <p:nvPr/>
+          </p:nvSpPr>
+          <p:spPr>
+            <a:xfrm>
+              <a:off x="5621784" y="5745163"/>
+              <a:ext cx="385531" cy="525725"/>
+            </a:xfrm>
+            <a:prstGeom prst="bentArrow">
+              <a:avLst/>
+            </a:prstGeom>
+            <a:solidFill>
+              <a:schemeClr val="accent1"/>
+            </a:solidFill>
+            <a:ln>
+              <a:noFill/>
+            </a:ln>
+            <a:effectLst/>
+          </p:spPr>
+          <p:style>
+            <a:lnRef idx="1">
+              <a:schemeClr val="accent1"/>
+            </a:lnRef>
+            <a:fillRef idx="3">
+              <a:schemeClr val="accent1"/>
+            </a:fillRef>
+            <a:effectRef idx="2">
+              <a:schemeClr val="accent1"/>
+            </a:effectRef>
+            <a:fontRef idx="minor">
+              <a:schemeClr val="lt1"/>
+            </a:fontRef>
+          </p:style>
+          <p:txBody>
+            <a:bodyPr rtlCol="0" anchor="ctr"/>
+            <a:lstStyle/>
+            <a:p>
+              <a:pPr algn="ctr"/>
+              <a:endParaRPr lang="en-US">
+                <a:solidFill>
+                  <a:schemeClr val="tx1"/>
+                </a:solidFill>
+              </a:endParaRPr>
+            </a:p>
+          </p:txBody>
+        </p:sp>
+        <p:sp>
+          <p:nvSpPr>
+            <p:cNvPr id="230" name="Chord 229"/>
+            <p:cNvSpPr/>
+            <p:nvPr/>
+          </p:nvSpPr>
+          <p:spPr>
+            <a:xfrm>
+              <a:off x="6108684" y="6056217"/>
+              <a:ext cx="408897" cy="408897"/>
+            </a:xfrm>
+            <a:prstGeom prst="chord">
+              <a:avLst>
+                <a:gd name="adj1" fmla="val 10744762"/>
+                <a:gd name="adj2" fmla="val 103101"/>
+              </a:avLst>
+            </a:prstGeom>
+            <a:solidFill>
+              <a:schemeClr val="accent1"/>
+            </a:solidFill>
+            <a:ln>
+              <a:noFill/>
+            </a:ln>
+            <a:effectLst/>
+          </p:spPr>
+          <p:style>
+            <a:lnRef idx="1">
+              <a:schemeClr val="accent1"/>
+            </a:lnRef>
+            <a:fillRef idx="3">
+              <a:schemeClr val="accent1"/>
+            </a:fillRef>
+            <a:effectRef idx="2">
+              <a:schemeClr val="accent1"/>
+            </a:effectRef>
+            <a:fontRef idx="minor">
+              <a:schemeClr val="lt1"/>
+            </a:fontRef>
+          </p:style>
+          <p:txBody>
+            <a:bodyPr rtlCol="0" anchor="ctr"/>
+            <a:lstStyle/>
+            <a:p>
+              <a:pPr algn="ctr"/>
+              <a:endParaRPr lang="en-US"/>
+            </a:p>
+          </p:txBody>
+        </p:sp>
+        <p:sp>
+          <p:nvSpPr>
+            <p:cNvPr id="231" name="Left-Right-Up Arrow 230"/>
+            <p:cNvSpPr/>
+            <p:nvPr/>
+          </p:nvSpPr>
+          <p:spPr>
+            <a:xfrm rot="10800000">
+              <a:off x="5014280" y="5816765"/>
+              <a:ext cx="408897" cy="458460"/>
+            </a:xfrm>
+            <a:prstGeom prst="leftRightUpArrow">
+              <a:avLst>
+                <a:gd name="adj1" fmla="val 45513"/>
+                <a:gd name="adj2" fmla="val 8969"/>
+                <a:gd name="adj3" fmla="val 0"/>
+              </a:avLst>
+            </a:prstGeom>
+            <a:solidFill>
+              <a:schemeClr val="accent2"/>
+            </a:solidFill>
+            <a:ln>
+              <a:noFill/>
+            </a:ln>
+            <a:effectLst/>
+          </p:spPr>
+          <p:style>
+            <a:lnRef idx="1">
+              <a:schemeClr val="accent1"/>
+            </a:lnRef>
+            <a:fillRef idx="3">
+              <a:schemeClr val="accent1"/>
+            </a:fillRef>
+            <a:effectRef idx="2">
+              <a:schemeClr val="accent1"/>
+            </a:effectRef>
+            <a:fontRef idx="minor">
+              <a:schemeClr val="lt1"/>
+            </a:fontRef>
+          </p:style>
+          <p:txBody>
+            <a:bodyPr rtlCol="0" anchor="ctr"/>
+            <a:lstStyle/>
+            <a:p>
+              <a:pPr algn="ctr"/>
+              <a:endParaRPr lang="en-US"/>
+            </a:p>
+          </p:txBody>
+        </p:sp>
+        <p:sp>
+          <p:nvSpPr>
+            <p:cNvPr id="232" name="Left-Right-Up Arrow 231"/>
+            <p:cNvSpPr/>
+            <p:nvPr/>
+          </p:nvSpPr>
+          <p:spPr>
+            <a:xfrm rot="10800000">
+              <a:off x="7423489" y="5812427"/>
+              <a:ext cx="408897" cy="458460"/>
+            </a:xfrm>
+            <a:prstGeom prst="leftRightUpArrow">
+              <a:avLst>
+                <a:gd name="adj1" fmla="val 45513"/>
+                <a:gd name="adj2" fmla="val 8969"/>
+                <a:gd name="adj3" fmla="val 0"/>
+              </a:avLst>
+            </a:prstGeom>
+            <a:solidFill>
+              <a:schemeClr val="accent2"/>
+            </a:solidFill>
+            <a:ln>
+              <a:noFill/>
+            </a:ln>
+            <a:effectLst/>
+          </p:spPr>
+          <p:style>
+            <a:lnRef idx="1">
+              <a:schemeClr val="accent1"/>
+            </a:lnRef>
+            <a:fillRef idx="3">
+              <a:schemeClr val="accent1"/>
+            </a:fillRef>
+            <a:effectRef idx="2">
+              <a:schemeClr val="accent1"/>
+            </a:effectRef>
+            <a:fontRef idx="minor">
+              <a:schemeClr val="lt1"/>
+            </a:fontRef>
+          </p:style>
+          <p:txBody>
+            <a:bodyPr rtlCol="0" anchor="ctr"/>
+            <a:lstStyle/>
+            <a:p>
+              <a:pPr algn="ctr"/>
+              <a:endParaRPr lang="en-US"/>
+            </a:p>
+          </p:txBody>
+        </p:sp>
+        <p:cxnSp>
+          <p:nvCxnSpPr>
+            <p:cNvPr id="233" name="Straight Connector 232"/>
+            <p:cNvCxnSpPr/>
+            <p:nvPr/>
+          </p:nvCxnSpPr>
+          <p:spPr>
+            <a:xfrm>
+              <a:off x="3296913" y="6284032"/>
+              <a:ext cx="4556280" cy="1460"/>
+            </a:xfrm>
+            <a:prstGeom prst="line">
+              <a:avLst/>
+            </a:prstGeom>
+            <a:ln w="38100" cap="flat" cmpd="sng" algn="ctr">
+              <a:solidFill>
+                <a:schemeClr val="tx1"/>
+              </a:solidFill>
+              <a:prstDash val="solid"/>
+              <a:round/>
+              <a:headEnd type="none" w="med" len="med"/>
+              <a:tailEnd type="none" w="med" len="med"/>
+            </a:ln>
+            <a:effectLst/>
+          </p:spPr>
+          <p:style>
+            <a:lnRef idx="2">
+              <a:schemeClr val="accent1"/>
+            </a:lnRef>
+            <a:fillRef idx="0">
+              <a:schemeClr val="accent1"/>
+            </a:fillRef>
+            <a:effectRef idx="1">
+              <a:schemeClr val="accent1"/>
+            </a:effectRef>
+            <a:fontRef idx="minor">
+              <a:schemeClr val="tx1"/>
+            </a:fontRef>
+          </p:style>
+        </p:cxnSp>
+        <p:sp>
+          <p:nvSpPr>
+            <p:cNvPr id="234" name="TextBox 233"/>
+            <p:cNvSpPr txBox="1">
+              <a:spLocks/>
+            </p:cNvSpPr>
+            <p:nvPr/>
+          </p:nvSpPr>
+          <p:spPr>
+            <a:xfrm>
+              <a:off x="5353619" y="6212052"/>
+              <a:ext cx="625464" cy="369332"/>
+            </a:xfrm>
+            <a:prstGeom prst="rect">
+              <a:avLst/>
+            </a:prstGeom>
+            <a:noFill/>
+          </p:spPr>
+          <p:txBody>
+            <a:bodyPr wrap="square" rtlCol="0">
+              <a:spAutoFit/>
+            </a:bodyPr>
+            <a:lstStyle/>
+            <a:p>
+              <a:r>
+                <a:rPr lang="en-US"/>
+                <a:t>pTet</a:t>
+              </a:r>
+            </a:p>
+          </p:txBody>
+        </p:sp>
+      </p:grpSp>
+      <p:sp>
+        <p:nvSpPr>
+          <p:cNvPr id="239" name="Down Arrow 238"/>
+          <p:cNvSpPr/>
+          <p:nvPr/>
+        </p:nvSpPr>
+        <p:spPr>
+          <a:xfrm>
+            <a:off x="5206049" y="1460500"/>
+            <a:ext cx="698500" cy="394559"/>
+          </a:xfrm>
+          <a:prstGeom prst="downArrow">
+            <a:avLst/>
+          </a:prstGeom>
+        </p:spPr>
+        <p:style>
+          <a:lnRef idx="1">
+            <a:schemeClr val="accent1"/>
+          </a:lnRef>
+          <a:fillRef idx="2">
+            <a:schemeClr val="accent1"/>
+          </a:fillRef>
+          <a:effectRef idx="1">
+            <a:schemeClr val="accent1"/>
+          </a:effectRef>
+          <a:fontRef idx="minor">
+            <a:schemeClr val="dk1"/>
+          </a:fontRef>
+        </p:style>
+        <p:txBody>
+          <a:bodyPr rtlCol="0" anchor="ctr"/>
+          <a:lstStyle/>
+          <a:p>
+            <a:pPr algn="ctr"/>
+            <a:endParaRPr lang="en-US"/>
+          </a:p>
+        </p:txBody>
+      </p:sp>
+      <p:sp>
+        <p:nvSpPr>
+          <p:cNvPr id="240" name="Down Arrow 239"/>
+          <p:cNvSpPr/>
+          <p:nvPr/>
+        </p:nvSpPr>
+        <p:spPr>
+          <a:xfrm>
+            <a:off x="5206049" y="4559328"/>
+            <a:ext cx="698500" cy="394559"/>
+          </a:xfrm>
+          <a:prstGeom prst="downArrow">
+            <a:avLst/>
+          </a:prstGeom>
+        </p:spPr>
+        <p:style>
+          <a:lnRef idx="1">
+            <a:schemeClr val="accent1"/>
+          </a:lnRef>
+          <a:fillRef idx="2">
+            <a:schemeClr val="accent1"/>
+          </a:fillRef>
+          <a:effectRef idx="1">
+            <a:schemeClr val="accent1"/>
+          </a:effectRef>
+          <a:fontRef idx="minor">
+            <a:schemeClr val="dk1"/>
+          </a:fontRef>
+        </p:style>
+        <p:txBody>
+          <a:bodyPr rtlCol="0" anchor="ctr"/>
+          <a:lstStyle/>
+          <a:p>
+            <a:pPr algn="ctr"/>
+            <a:endParaRPr lang="en-US"/>
+          </a:p>
+        </p:txBody>
+      </p:sp>
+      <p:sp>
+        <p:nvSpPr>
+          <p:cNvPr id="241" name="Down Arrow 240"/>
+          <p:cNvSpPr/>
+          <p:nvPr/>
+        </p:nvSpPr>
+        <p:spPr>
+          <a:xfrm>
+            <a:off x="5206049" y="2792880"/>
+            <a:ext cx="698500" cy="394559"/>
+          </a:xfrm>
+          <a:prstGeom prst="downArrow">
+            <a:avLst/>
+          </a:prstGeom>
+        </p:spPr>
+        <p:style>
+          <a:lnRef idx="1">
+            <a:schemeClr val="accent1"/>
+          </a:lnRef>
+          <a:fillRef idx="2">
+            <a:schemeClr val="accent1"/>
+          </a:fillRef>
+          <a:effectRef idx="1">
+            <a:schemeClr val="accent1"/>
+          </a:effectRef>
+          <a:fontRef idx="minor">
+            <a:schemeClr val="dk1"/>
+          </a:fontRef>
+        </p:style>
+        <p:txBody>
+          <a:bodyPr rtlCol="0" anchor="ctr"/>
+          <a:lstStyle/>
+          <a:p>
+            <a:pPr algn="ctr"/>
+            <a:endParaRPr lang="en-US"/>
+          </a:p>
+        </p:txBody>
+      </p:sp>
+      <p:cxnSp>
+        <p:nvCxnSpPr>
+          <p:cNvPr id="242" name="Straight Arrow Connector 241"/>
+          <p:cNvCxnSpPr>
+            <a:cxnSpLocks/>
+          </p:cNvCxnSpPr>
+          <p:nvPr/>
+        </p:nvCxnSpPr>
+        <p:spPr>
+          <a:xfrm flipV="1">
+            <a:off x="4528835" y="5650883"/>
+            <a:ext cx="405777" cy="357850"/>
+          </a:xfrm>
+          <a:prstGeom prst="straightConnector1">
+            <a:avLst/>
+          </a:prstGeom>
+          <a:ln w="38100" cap="flat" cmpd="sng" algn="ctr">
+            <a:solidFill>
+              <a:schemeClr val="tx1"/>
+            </a:solidFill>
+            <a:prstDash val="solid"/>
+            <a:round/>
+            <a:headEnd type="none" w="med" len="med"/>
+            <a:tailEnd type="triangle" w="med" len="lg"/>
+          </a:ln>
+        </p:spPr>
+        <p:style>
+          <a:lnRef idx="2">
+            <a:schemeClr val="accent1"/>
+          </a:lnRef>
+          <a:fillRef idx="0">
+            <a:schemeClr val="accent1"/>
+          </a:fillRef>
+          <a:effectRef idx="1">
+            <a:schemeClr val="accent1"/>
+          </a:effectRef>
+          <a:fontRef idx="minor">
+            <a:schemeClr val="tx1"/>
+          </a:fontRef>
+        </p:style>
+      </p:cxnSp>
+      <p:cxnSp>
+        <p:nvCxnSpPr>
+          <p:cNvPr id="244" name="Straight Arrow Connector 243"/>
+          <p:cNvCxnSpPr>
+            <a:cxnSpLocks/>
+          </p:cNvCxnSpPr>
+          <p:nvPr/>
+        </p:nvCxnSpPr>
+        <p:spPr>
+          <a:xfrm rot="16200000" flipH="1">
+            <a:off x="5359651" y="5613792"/>
+            <a:ext cx="225042" cy="299224"/>
+          </a:xfrm>
+          <a:prstGeom prst="straightConnector1">
+            <a:avLst/>
+          </a:prstGeom>
+          <a:ln w="38100" cap="flat" cmpd="sng" algn="ctr">
+            <a:solidFill>
+              <a:srgbClr val="FF0000"/>
+            </a:solidFill>
+            <a:prstDash val="solid"/>
+            <a:round/>
+            <a:headEnd type="none" w="med" len="med"/>
+            <a:tailEnd type="oval" w="lg" len="sm"/>
+          </a:ln>
+          <a:effectLst/>
+        </p:spPr>
+        <p:style>
+          <a:lnRef idx="2">
+            <a:schemeClr val="accent1"/>
+          </a:lnRef>
+          <a:fillRef idx="0">
+            <a:schemeClr val="accent1"/>
+          </a:fillRef>
+          <a:effectRef idx="1">
+            <a:schemeClr val="accent1"/>
+          </a:effectRef>
+          <a:fontRef idx="minor">
+            <a:schemeClr val="tx1"/>
+          </a:fontRef>
+        </p:style>
+      </p:cxnSp>
+      <p:pic>
+        <p:nvPicPr>
+          <p:cNvPr id="8" name="Picture 7">
+            <a:extLst>
+              <a:ext uri="{FF2B5EF4-FFF2-40B4-BE49-F238E27FC236}">
+                <a16:creationId xmlns:a16="http://schemas.microsoft.com/office/drawing/2014/main" id="{AC120935-B261-E943-B2DE-19C676B16F52}"/>
+              </a:ext>
+            </a:extLst>
+          </p:cNvPr>
+          <p:cNvPicPr>
+            <a:picLocks noChangeAspect="1"/>
+          </p:cNvPicPr>
+          <p:nvPr/>
+        </p:nvPicPr>
+        <p:blipFill>
+          <a:blip r:embed="rId2">
+            <a:clrChange>
+              <a:clrFrom>
+                <a:srgbClr val="000000">
+                  <a:alpha val="0"/>
+                </a:srgbClr>
+              </a:clrFrom>
+              <a:clrTo>
+                <a:srgbClr val="000000">
+                  <a:alpha val="0"/>
+                </a:srgbClr>
+              </a:clrTo>
+            </a:clrChange>
+            <a:duotone>
+              <a:schemeClr val="accent4">
+                <a:shade val="45000"/>
+                <a:satMod val="135000"/>
+              </a:schemeClr>
+              <a:prstClr val="white"/>
+            </a:duotone>
+          </a:blip>
+          <a:stretch>
+            <a:fillRect/>
+          </a:stretch>
+        </p:blipFill>
+        <p:spPr>
+          <a:xfrm>
+            <a:off x="4669363" y="5017438"/>
+            <a:ext cx="989269" cy="989269"/>
+          </a:xfrm>
+          <a:prstGeom prst="rect">
+            <a:avLst/>
+          </a:prstGeom>
+        </p:spPr>
+      </p:pic>
+      <p:pic>
+        <p:nvPicPr>
+          <p:cNvPr id="59" name="Picture 58">
+            <a:extLst>
+              <a:ext uri="{FF2B5EF4-FFF2-40B4-BE49-F238E27FC236}">
+                <a16:creationId xmlns:a16="http://schemas.microsoft.com/office/drawing/2014/main" id="{580305D0-AA69-A24D-BE9D-4E8FFE793B9C}"/>
+              </a:ext>
+            </a:extLst>
+          </p:cNvPr>
+          <p:cNvPicPr>
+            <a:picLocks noChangeAspect="1"/>
+          </p:cNvPicPr>
+          <p:nvPr/>
+        </p:nvPicPr>
+        <p:blipFill>
+          <a:blip r:embed="rId2">
+            <a:clrChange>
+              <a:clrFrom>
+                <a:srgbClr val="000000">
+                  <a:alpha val="0"/>
+                </a:srgbClr>
+              </a:clrFrom>
+              <a:clrTo>
+                <a:srgbClr val="000000">
+                  <a:alpha val="0"/>
+                </a:srgbClr>
+              </a:clrTo>
+            </a:clrChange>
+            <a:duotone>
+              <a:schemeClr val="accent3">
+                <a:shade val="45000"/>
+                <a:satMod val="135000"/>
+              </a:schemeClr>
+              <a:prstClr val="white"/>
+            </a:duotone>
+          </a:blip>
+          <a:stretch>
+            <a:fillRect/>
+          </a:stretch>
+        </p:blipFill>
+        <p:spPr>
+          <a:xfrm>
+            <a:off x="6622954" y="4965911"/>
+            <a:ext cx="972056" cy="972056"/>
+          </a:xfrm>
+          <a:prstGeom prst="rect">
+            <a:avLst/>
+          </a:prstGeom>
+        </p:spPr>
+      </p:pic>
+      <p:sp>
+        <p:nvSpPr>
+          <p:cNvPr id="12" name="TextBox 11">
+            <a:extLst>
+              <a:ext uri="{FF2B5EF4-FFF2-40B4-BE49-F238E27FC236}">
+                <a16:creationId xmlns:a16="http://schemas.microsoft.com/office/drawing/2014/main" id="{CDAED425-281F-424E-B3FF-0234DDC95503}"/>
+              </a:ext>
+            </a:extLst>
+          </p:cNvPr>
+          <p:cNvSpPr txBox="1"/>
+          <p:nvPr/>
+        </p:nvSpPr>
+        <p:spPr>
+          <a:xfrm>
+            <a:off x="6857823" y="5256792"/>
+            <a:ext cx="514885" cy="338554"/>
+          </a:xfrm>
+          <a:prstGeom prst="rect">
+            <a:avLst/>
+          </a:prstGeom>
+          <a:noFill/>
+        </p:spPr>
+        <p:txBody>
+          <a:bodyPr wrap="none" rtlCol="0">
+            <a:spAutoFit/>
+          </a:bodyPr>
+          <a:lstStyle/>
+          <a:p>
+            <a:r>
+              <a:rPr lang="en-US" sz="1600" dirty="0">
+                <a:solidFill>
+                  <a:schemeClr val="accent3">
+                    <a:lumMod val="75000"/>
+                  </a:schemeClr>
+                </a:solidFill>
+              </a:rPr>
+              <a:t>GFP</a:t>
+            </a:r>
+          </a:p>
+        </p:txBody>
+      </p:sp>
+      <p:sp>
+        <p:nvSpPr>
+          <p:cNvPr id="61" name="TextBox 60">
+            <a:extLst>
+              <a:ext uri="{FF2B5EF4-FFF2-40B4-BE49-F238E27FC236}">
+                <a16:creationId xmlns:a16="http://schemas.microsoft.com/office/drawing/2014/main" id="{2B9E9276-826B-2145-8832-435A318AC153}"/>
+              </a:ext>
+            </a:extLst>
+          </p:cNvPr>
+          <p:cNvSpPr txBox="1"/>
+          <p:nvPr/>
+        </p:nvSpPr>
+        <p:spPr>
+          <a:xfrm>
+            <a:off x="4904200" y="5318887"/>
+            <a:ext cx="548483" cy="338554"/>
+          </a:xfrm>
+          <a:prstGeom prst="rect">
+            <a:avLst/>
+          </a:prstGeom>
+          <a:noFill/>
+        </p:spPr>
+        <p:txBody>
+          <a:bodyPr wrap="none" rtlCol="0">
+            <a:spAutoFit/>
+          </a:bodyPr>
+          <a:lstStyle/>
+          <a:p>
+            <a:r>
+              <a:rPr lang="en-US" sz="1600" dirty="0" err="1">
+                <a:solidFill>
+                  <a:schemeClr val="accent4">
+                    <a:lumMod val="75000"/>
+                  </a:schemeClr>
+                </a:solidFill>
+              </a:rPr>
+              <a:t>TetR</a:t>
+            </a:r>
+            <a:endParaRPr lang="en-US" sz="1600" dirty="0">
+              <a:solidFill>
+                <a:schemeClr val="accent4">
+                  <a:lumMod val="75000"/>
+                </a:schemeClr>
+              </a:solidFill>
+            </a:endParaRPr>
+          </a:p>
+        </p:txBody>
+      </p:sp>
+    </p:spTree>
+  </p:cSld>
+  <p:clrMapOvr>
+    <a:masterClrMapping/>
+  </p:clrMapOvr>
+</p:sld>
+</file>
+
+<file path=ppt/slides/slide2.xml><?xml version="1.0" encoding="utf-8"?>
+<p:sld xmlns:a="http://schemas.openxmlformats.org/drawingml/2006/main" xmlns:r="http://schemas.openxmlformats.org/officeDocument/2006/relationships" xmlns:p="http://schemas.openxmlformats.org/presentationml/2006/main">
+  <p:cSld>
+    <p:spTree>
+      <p:nvGrpSpPr>
+        <p:cNvPr id="1" name=""/>
+        <p:cNvGrpSpPr/>
+        <p:nvPr/>
+      </p:nvGrpSpPr>
+      <p:grpSpPr>
+        <a:xfrm>
+          <a:off x="0" y="0"/>
+          <a:ext cx="0" cy="0"/>
+          <a:chOff x="0" y="0"/>
+          <a:chExt cx="0" cy="0"/>
+        </a:xfrm>
+      </p:grpSpPr>
+      <p:sp>
+        <p:nvSpPr>
           <p:cNvPr id="243" name="Oval 242"/>
           <p:cNvSpPr/>
           <p:nvPr/>
@@ -3057,7 +5629,7 @@
               <a:buNone/>
             </a:pPr>
             <a:r>
-              <a:rPr lang="en-US" b="1" dirty="0" smtClean="0">
+              <a:rPr lang="en-US" b="1" dirty="0">
                 <a:solidFill>
                   <a:srgbClr val="0000FF"/>
                 </a:solidFill>
@@ -3072,7 +5644,7 @@
               </a:spcAft>
               <a:buNone/>
             </a:pPr>
-            <a:endParaRPr lang="en-US" b="1" dirty="0" smtClean="0">
+            <a:endParaRPr lang="en-US" b="1" dirty="0">
               <a:solidFill>
                 <a:srgbClr val="0000FF"/>
               </a:solidFill>
@@ -3086,7 +5658,7 @@
               <a:buNone/>
             </a:pPr>
             <a:r>
-              <a:rPr lang="en-US" b="1" dirty="0" smtClean="0">
+              <a:rPr lang="en-US" b="1" dirty="0">
                 <a:solidFill>
                   <a:srgbClr val="0000FF"/>
                 </a:solidFill>
@@ -3101,7 +5673,7 @@
               </a:spcAft>
               <a:buNone/>
             </a:pPr>
-            <a:endParaRPr lang="en-US" b="1" dirty="0" smtClean="0">
+            <a:endParaRPr lang="en-US" b="1" dirty="0">
               <a:solidFill>
                 <a:srgbClr val="0000FF"/>
               </a:solidFill>
@@ -3114,7 +5686,7 @@
               </a:spcAft>
               <a:buNone/>
             </a:pPr>
-            <a:endParaRPr lang="en-US" b="1" dirty="0" smtClean="0">
+            <a:endParaRPr lang="en-US" b="1" dirty="0">
               <a:solidFill>
                 <a:srgbClr val="0000FF"/>
               </a:solidFill>
@@ -3128,26 +5700,13 @@
               <a:buNone/>
             </a:pPr>
             <a:r>
-              <a:rPr lang="en-US" b="1" dirty="0" smtClean="0">
+              <a:rPr lang="en-US" b="1" dirty="0">
                 <a:solidFill>
                   <a:srgbClr val="0000FF"/>
                 </a:solidFill>
               </a:rPr>
-              <a:t>SBOL 1</a:t>
+              <a:t>SBOL 1.x</a:t>
             </a:r>
-            <a:r>
-              <a:rPr lang="en-US" b="1" dirty="0" smtClean="0">
-                <a:solidFill>
-                  <a:srgbClr val="0000FF"/>
-                </a:solidFill>
-              </a:rPr>
-              <a:t>.x</a:t>
-            </a:r>
-            <a:endParaRPr lang="en-US" b="1" dirty="0" smtClean="0">
-              <a:solidFill>
-                <a:srgbClr val="0000FF"/>
-              </a:solidFill>
-            </a:endParaRPr>
           </a:p>
           <a:p>
             <a:pPr>
@@ -3156,7 +5715,7 @@
               </a:spcAft>
               <a:buNone/>
             </a:pPr>
-            <a:endParaRPr lang="en-US" b="1" dirty="0" smtClean="0">
+            <a:endParaRPr lang="en-US" b="1" dirty="0">
               <a:solidFill>
                 <a:srgbClr val="0000FF"/>
               </a:solidFill>
@@ -3169,7 +5728,7 @@
               </a:spcAft>
               <a:buNone/>
             </a:pPr>
-            <a:endParaRPr lang="en-US" b="1" dirty="0" smtClean="0">
+            <a:endParaRPr lang="en-US" b="1" dirty="0">
               <a:solidFill>
                 <a:srgbClr val="0000FF"/>
               </a:solidFill>
@@ -3183,26 +5742,13 @@
               <a:buNone/>
             </a:pPr>
             <a:r>
-              <a:rPr lang="en-US" b="1" dirty="0" smtClean="0">
+              <a:rPr lang="en-US" b="1" dirty="0">
                 <a:solidFill>
                   <a:srgbClr val="0000FF"/>
                 </a:solidFill>
               </a:rPr>
-              <a:t>SBOL 2</a:t>
+              <a:t>SBOL 2.x</a:t>
             </a:r>
-            <a:r>
-              <a:rPr lang="en-US" b="1" dirty="0" smtClean="0">
-                <a:solidFill>
-                  <a:srgbClr val="0000FF"/>
-                </a:solidFill>
-              </a:rPr>
-              <a:t>.x</a:t>
-            </a:r>
-            <a:endParaRPr lang="en-US" b="1" dirty="0" smtClean="0">
-              <a:solidFill>
-                <a:srgbClr val="0000FF"/>
-              </a:solidFill>
-            </a:endParaRPr>
           </a:p>
         </p:txBody>
       </p:sp>
@@ -5464,6 +8010,11 @@
         </p:txBody>
       </p:sp>
     </p:spTree>
+    <p:extLst>
+      <p:ext uri="{BB962C8B-B14F-4D97-AF65-F5344CB8AC3E}">
+        <p14:creationId xmlns:p14="http://schemas.microsoft.com/office/powerpoint/2010/main" val="3226227856"/>
+      </p:ext>
+    </p:extLst>
   </p:cSld>
   <p:clrMapOvr>
     <a:masterClrMapping/>
